--- a/stat.pptx
+++ b/stat.pptx
@@ -5,7 +5,7 @@
     <p:sldMasterId id="2147483660" r:id="rId1"/>
   </p:sldMasterIdLst>
   <p:notesMasterIdLst>
-    <p:notesMasterId r:id="rId45"/>
+    <p:notesMasterId r:id="rId46"/>
   </p:notesMasterIdLst>
   <p:sldIdLst>
     <p:sldId id="260" r:id="rId2"/>
@@ -44,13 +44,14 @@
     <p:sldId id="586" r:id="rId35"/>
     <p:sldId id="587" r:id="rId36"/>
     <p:sldId id="588" r:id="rId37"/>
-    <p:sldId id="589" r:id="rId38"/>
-    <p:sldId id="590" r:id="rId39"/>
-    <p:sldId id="591" r:id="rId40"/>
-    <p:sldId id="595" r:id="rId41"/>
-    <p:sldId id="592" r:id="rId42"/>
-    <p:sldId id="593" r:id="rId43"/>
-    <p:sldId id="594" r:id="rId44"/>
+    <p:sldId id="596" r:id="rId38"/>
+    <p:sldId id="589" r:id="rId39"/>
+    <p:sldId id="590" r:id="rId40"/>
+    <p:sldId id="591" r:id="rId41"/>
+    <p:sldId id="595" r:id="rId42"/>
+    <p:sldId id="592" r:id="rId43"/>
+    <p:sldId id="593" r:id="rId44"/>
+    <p:sldId id="594" r:id="rId45"/>
   </p:sldIdLst>
   <p:sldSz cx="9144000" cy="6858000" type="screen4x3"/>
   <p:notesSz cx="6858000" cy="9144000"/>
@@ -250,7 +251,7 @@
           <a:p>
             <a:fld id="{D0C80036-D26A-B341-B034-B9FD2002476C}" type="datetimeFigureOut">
               <a:rPr lang="ru-RU" smtClean="0"/>
-              <a:t>27.09.2023</a:t>
+              <a:t>28.09.2023</a:t>
             </a:fld>
             <a:endParaRPr lang="ru-RU"/>
           </a:p>
@@ -1896,7 +1897,7 @@
           <a:p>
             <a:fld id="{346252AE-C3AD-F64D-9D8B-E93D532416B6}" type="datetimeFigureOut">
               <a:rPr lang="ru-RU" smtClean="0"/>
-              <a:t>27.09.2023</a:t>
+              <a:t>28.09.2023</a:t>
             </a:fld>
             <a:endParaRPr lang="ru-RU"/>
           </a:p>
@@ -2066,7 +2067,7 @@
           <a:p>
             <a:fld id="{346252AE-C3AD-F64D-9D8B-E93D532416B6}" type="datetimeFigureOut">
               <a:rPr lang="ru-RU" smtClean="0"/>
-              <a:t>27.09.2023</a:t>
+              <a:t>28.09.2023</a:t>
             </a:fld>
             <a:endParaRPr lang="ru-RU"/>
           </a:p>
@@ -2246,7 +2247,7 @@
           <a:p>
             <a:fld id="{346252AE-C3AD-F64D-9D8B-E93D532416B6}" type="datetimeFigureOut">
               <a:rPr lang="ru-RU" smtClean="0"/>
-              <a:t>27.09.2023</a:t>
+              <a:t>28.09.2023</a:t>
             </a:fld>
             <a:endParaRPr lang="ru-RU"/>
           </a:p>
@@ -2766,7 +2767,7 @@
           <a:p>
             <a:fld id="{346252AE-C3AD-F64D-9D8B-E93D532416B6}" type="datetimeFigureOut">
               <a:rPr lang="ru-RU" smtClean="0"/>
-              <a:t>27.09.2023</a:t>
+              <a:t>28.09.2023</a:t>
             </a:fld>
             <a:endParaRPr lang="ru-RU"/>
           </a:p>
@@ -3010,7 +3011,7 @@
           <a:p>
             <a:fld id="{346252AE-C3AD-F64D-9D8B-E93D532416B6}" type="datetimeFigureOut">
               <a:rPr lang="ru-RU" smtClean="0"/>
-              <a:t>27.09.2023</a:t>
+              <a:t>28.09.2023</a:t>
             </a:fld>
             <a:endParaRPr lang="ru-RU"/>
           </a:p>
@@ -3242,7 +3243,7 @@
           <a:p>
             <a:fld id="{346252AE-C3AD-F64D-9D8B-E93D532416B6}" type="datetimeFigureOut">
               <a:rPr lang="ru-RU" smtClean="0"/>
-              <a:t>27.09.2023</a:t>
+              <a:t>28.09.2023</a:t>
             </a:fld>
             <a:endParaRPr lang="ru-RU"/>
           </a:p>
@@ -3609,7 +3610,7 @@
           <a:p>
             <a:fld id="{346252AE-C3AD-F64D-9D8B-E93D532416B6}" type="datetimeFigureOut">
               <a:rPr lang="ru-RU" smtClean="0"/>
-              <a:t>27.09.2023</a:t>
+              <a:t>28.09.2023</a:t>
             </a:fld>
             <a:endParaRPr lang="ru-RU"/>
           </a:p>
@@ -3727,7 +3728,7 @@
           <a:p>
             <a:fld id="{346252AE-C3AD-F64D-9D8B-E93D532416B6}" type="datetimeFigureOut">
               <a:rPr lang="ru-RU" smtClean="0"/>
-              <a:t>27.09.2023</a:t>
+              <a:t>28.09.2023</a:t>
             </a:fld>
             <a:endParaRPr lang="ru-RU"/>
           </a:p>
@@ -3822,7 +3823,7 @@
           <a:p>
             <a:fld id="{346252AE-C3AD-F64D-9D8B-E93D532416B6}" type="datetimeFigureOut">
               <a:rPr lang="ru-RU" smtClean="0"/>
-              <a:t>27.09.2023</a:t>
+              <a:t>28.09.2023</a:t>
             </a:fld>
             <a:endParaRPr lang="ru-RU"/>
           </a:p>
@@ -4099,7 +4100,7 @@
           <a:p>
             <a:fld id="{346252AE-C3AD-F64D-9D8B-E93D532416B6}" type="datetimeFigureOut">
               <a:rPr lang="ru-RU" smtClean="0"/>
-              <a:t>27.09.2023</a:t>
+              <a:t>28.09.2023</a:t>
             </a:fld>
             <a:endParaRPr lang="ru-RU"/>
           </a:p>
@@ -4356,7 +4357,7 @@
           <a:p>
             <a:fld id="{346252AE-C3AD-F64D-9D8B-E93D532416B6}" type="datetimeFigureOut">
               <a:rPr lang="ru-RU" smtClean="0"/>
-              <a:t>27.09.2023</a:t>
+              <a:t>28.09.2023</a:t>
             </a:fld>
             <a:endParaRPr lang="ru-RU"/>
           </a:p>
@@ -4569,7 +4570,7 @@
           <a:p>
             <a:fld id="{346252AE-C3AD-F64D-9D8B-E93D532416B6}" type="datetimeFigureOut">
               <a:rPr lang="ru-RU" smtClean="0"/>
-              <a:t>27.09.2023</a:t>
+              <a:t>28.09.2023</a:t>
             </a:fld>
             <a:endParaRPr lang="ru-RU"/>
           </a:p>
@@ -5601,8 +5602,8 @@
           </a:p>
         </p:txBody>
       </p:sp>
-      <mc:AlternateContent xmlns:mc="http://schemas.openxmlformats.org/markup-compatibility/2006">
-        <mc:Choice xmlns:a14="http://schemas.microsoft.com/office/drawing/2010/main" Requires="a14">
+      <mc:AlternateContent xmlns:mc="http://schemas.openxmlformats.org/markup-compatibility/2006" xmlns:a14="http://schemas.microsoft.com/office/drawing/2010/main">
+        <mc:Choice Requires="a14">
           <p:sp>
             <p:nvSpPr>
               <p:cNvPr id="3" name="TextBox 2">
@@ -5631,6 +5632,7 @@
               </a:bodyPr>
               <a:lstStyle/>
               <a:p>
+                <a:pPr/>
                 <a14:m>
                   <m:oMathPara xmlns:m="http://schemas.openxmlformats.org/officeDocument/2006/math">
                     <m:oMathParaPr>
@@ -5710,6 +5712,7 @@
                 <a:endParaRPr lang="en-US" sz="2800" b="0" dirty="0"/>
               </a:p>
               <a:p>
+                <a:pPr/>
                 <a14:m>
                   <m:oMathPara xmlns:m="http://schemas.openxmlformats.org/officeDocument/2006/math">
                     <m:oMathParaPr>
@@ -5822,6 +5825,7 @@
                 <a:endParaRPr lang="en-US" sz="2800" b="0" dirty="0"/>
               </a:p>
               <a:p>
+                <a:pPr/>
                 <a14:m>
                   <m:oMathPara xmlns:m="http://schemas.openxmlformats.org/officeDocument/2006/math">
                     <m:oMathParaPr>
@@ -6300,7 +6304,7 @@
             </p:txBody>
           </p:sp>
         </mc:Choice>
-        <mc:Fallback>
+        <mc:Fallback xmlns="">
           <p:sp>
             <p:nvSpPr>
               <p:cNvPr id="3" name="TextBox 2">
@@ -7887,8 +7891,8 @@
           </a:p>
         </p:txBody>
       </p:sp>
-      <mc:AlternateContent xmlns:mc="http://schemas.openxmlformats.org/markup-compatibility/2006">
-        <mc:Choice xmlns:a14="http://schemas.microsoft.com/office/drawing/2010/main" Requires="a14">
+      <mc:AlternateContent xmlns:mc="http://schemas.openxmlformats.org/markup-compatibility/2006" xmlns:a14="http://schemas.microsoft.com/office/drawing/2010/main">
+        <mc:Choice Requires="a14">
           <p:sp>
             <p:nvSpPr>
               <p:cNvPr id="3" name="TextBox 2">
@@ -7917,6 +7921,7 @@
               </a:bodyPr>
               <a:lstStyle/>
               <a:p>
+                <a:pPr/>
                 <a14:m>
                   <m:oMathPara xmlns:m="http://schemas.openxmlformats.org/officeDocument/2006/math">
                     <m:oMathParaPr>
@@ -8125,6 +8130,7 @@
                 <a:endParaRPr lang="en-US" sz="2400" b="0" dirty="0"/>
               </a:p>
               <a:p>
+                <a:pPr/>
                 <a14:m>
                   <m:oMathPara xmlns:m="http://schemas.openxmlformats.org/officeDocument/2006/math">
                     <m:oMathParaPr>
@@ -8403,6 +8409,7 @@
                 <a:endParaRPr lang="en-US" sz="2400" b="0" dirty="0"/>
               </a:p>
               <a:p>
+                <a:pPr/>
                 <a14:m>
                   <m:oMathPara xmlns:m="http://schemas.openxmlformats.org/officeDocument/2006/math">
                     <m:oMathParaPr>
@@ -8589,6 +8596,7 @@
                 <a:endParaRPr lang="en-US" sz="2400" b="0" dirty="0"/>
               </a:p>
               <a:p>
+                <a:pPr/>
                 <a14:m>
                   <m:oMathPara xmlns:m="http://schemas.openxmlformats.org/officeDocument/2006/math">
                     <m:oMathParaPr>
@@ -8842,7 +8850,7 @@
             </p:txBody>
           </p:sp>
         </mc:Choice>
-        <mc:Fallback>
+        <mc:Fallback xmlns="">
           <p:sp>
             <p:nvSpPr>
               <p:cNvPr id="3" name="TextBox 2">
@@ -9096,8 +9104,8 @@
           </a:p>
         </p:txBody>
       </p:sp>
-      <mc:AlternateContent xmlns:mc="http://schemas.openxmlformats.org/markup-compatibility/2006">
-        <mc:Choice xmlns:a14="http://schemas.microsoft.com/office/drawing/2010/main" Requires="a14">
+      <mc:AlternateContent xmlns:mc="http://schemas.openxmlformats.org/markup-compatibility/2006" xmlns:a14="http://schemas.microsoft.com/office/drawing/2010/main">
+        <mc:Choice Requires="a14">
           <p:sp>
             <p:nvSpPr>
               <p:cNvPr id="3" name="Текст 2">
@@ -9686,7 +9694,7 @@
             </p:txBody>
           </p:sp>
         </mc:Choice>
-        <mc:Fallback>
+        <mc:Fallback xmlns="">
           <p:sp>
             <p:nvSpPr>
               <p:cNvPr id="3" name="Текст 2">
@@ -9784,8 +9792,8 @@
           </a:p>
         </p:txBody>
       </p:sp>
-      <mc:AlternateContent xmlns:mc="http://schemas.openxmlformats.org/markup-compatibility/2006">
-        <mc:Choice xmlns:a14="http://schemas.microsoft.com/office/drawing/2010/main" Requires="a14">
+      <mc:AlternateContent xmlns:mc="http://schemas.openxmlformats.org/markup-compatibility/2006" xmlns:a14="http://schemas.microsoft.com/office/drawing/2010/main">
+        <mc:Choice Requires="a14">
           <p:sp>
             <p:nvSpPr>
               <p:cNvPr id="3" name="TextBox 2">
@@ -9814,6 +9822,7 @@
               </a:bodyPr>
               <a:lstStyle/>
               <a:p>
+                <a:pPr/>
                 <a14:m>
                   <m:oMathPara xmlns:m="http://schemas.openxmlformats.org/officeDocument/2006/math">
                     <m:oMathParaPr>
@@ -9858,6 +9867,7 @@
                 <a:endParaRPr lang="en-US" sz="3600" b="0" dirty="0"/>
               </a:p>
               <a:p>
+                <a:pPr/>
                 <a14:m>
                   <m:oMathPara xmlns:m="http://schemas.openxmlformats.org/officeDocument/2006/math">
                     <m:oMathParaPr>
@@ -9946,7 +9956,7 @@
             </p:txBody>
           </p:sp>
         </mc:Choice>
-        <mc:Fallback>
+        <mc:Fallback xmlns="">
           <p:sp>
             <p:nvSpPr>
               <p:cNvPr id="3" name="TextBox 2">
@@ -11700,8 +11710,8 @@
           </a:p>
         </p:txBody>
       </p:sp>
-      <mc:AlternateContent xmlns:mc="http://schemas.openxmlformats.org/markup-compatibility/2006">
-        <mc:Choice xmlns:a14="http://schemas.microsoft.com/office/drawing/2010/main" Requires="a14">
+      <mc:AlternateContent xmlns:mc="http://schemas.openxmlformats.org/markup-compatibility/2006" xmlns:a14="http://schemas.microsoft.com/office/drawing/2010/main">
+        <mc:Choice Requires="a14">
           <p:sp>
             <p:nvSpPr>
               <p:cNvPr id="3" name="Текст 2">
@@ -11878,7 +11888,7 @@
             </p:txBody>
           </p:sp>
         </mc:Choice>
-        <mc:Fallback>
+        <mc:Fallback xmlns="">
           <p:sp>
             <p:nvSpPr>
               <p:cNvPr id="3" name="Текст 2">
@@ -12498,8 +12508,8 @@
           </a:prstGeom>
         </p:spPr>
       </p:pic>
-      <mc:AlternateContent xmlns:mc="http://schemas.openxmlformats.org/markup-compatibility/2006">
-        <mc:Choice xmlns:a14="http://schemas.microsoft.com/office/drawing/2010/main" Requires="a14">
+      <mc:AlternateContent xmlns:mc="http://schemas.openxmlformats.org/markup-compatibility/2006" xmlns:a14="http://schemas.microsoft.com/office/drawing/2010/main">
+        <mc:Choice Requires="a14">
           <p:sp>
             <p:nvSpPr>
               <p:cNvPr id="6" name="TextBox 5">
@@ -12528,6 +12538,7 @@
               </a:bodyPr>
               <a:lstStyle/>
               <a:p>
+                <a:pPr/>
                 <a14:m>
                   <m:oMathPara xmlns:m="http://schemas.openxmlformats.org/officeDocument/2006/math">
                     <m:oMathParaPr>
@@ -12711,7 +12722,7 @@
             </p:txBody>
           </p:sp>
         </mc:Choice>
-        <mc:Fallback>
+        <mc:Fallback xmlns="">
           <p:sp>
             <p:nvSpPr>
               <p:cNvPr id="6" name="TextBox 5">
@@ -12814,8 +12825,8 @@
           </a:p>
         </p:txBody>
       </p:sp>
-      <mc:AlternateContent xmlns:mc="http://schemas.openxmlformats.org/markup-compatibility/2006">
-        <mc:Choice xmlns:a14="http://schemas.microsoft.com/office/drawing/2010/main" Requires="a14">
+      <mc:AlternateContent xmlns:mc="http://schemas.openxmlformats.org/markup-compatibility/2006" xmlns:a14="http://schemas.microsoft.com/office/drawing/2010/main">
+        <mc:Choice Requires="a14">
           <p:sp>
             <p:nvSpPr>
               <p:cNvPr id="3" name="Текст 2">
@@ -13323,7 +13334,7 @@
             </p:txBody>
           </p:sp>
         </mc:Choice>
-        <mc:Fallback>
+        <mc:Fallback xmlns="">
           <p:sp>
             <p:nvSpPr>
               <p:cNvPr id="3" name="Текст 2">
@@ -13421,38 +13432,8 @@
           </a:p>
         </p:txBody>
       </p:sp>
-      <p:pic>
-        <p:nvPicPr>
-          <p:cNvPr id="5" name="Рисунок 4">
-            <a:extLst>
-              <a:ext uri="{FF2B5EF4-FFF2-40B4-BE49-F238E27FC236}">
-                <a16:creationId xmlns:a16="http://schemas.microsoft.com/office/drawing/2014/main" id="{B33C1B34-8BFA-1E45-9C95-A4FEA831C76F}"/>
-              </a:ext>
-            </a:extLst>
-          </p:cNvPr>
-          <p:cNvPicPr>
-            <a:picLocks noChangeAspect="1"/>
-          </p:cNvPicPr>
-          <p:nvPr/>
-        </p:nvPicPr>
-        <p:blipFill>
-          <a:blip r:embed="rId2"/>
-          <a:stretch>
-            <a:fillRect/>
-          </a:stretch>
-        </p:blipFill>
-        <p:spPr>
-          <a:xfrm>
-            <a:off x="1133648" y="3628641"/>
-            <a:ext cx="6876703" cy="2708363"/>
-          </a:xfrm>
-          <a:prstGeom prst="rect">
-            <a:avLst/>
-          </a:prstGeom>
-        </p:spPr>
-      </p:pic>
-      <mc:AlternateContent xmlns:mc="http://schemas.openxmlformats.org/markup-compatibility/2006">
-        <mc:Choice xmlns:a14="http://schemas.microsoft.com/office/drawing/2010/main" Requires="a14">
+      <mc:AlternateContent xmlns:mc="http://schemas.openxmlformats.org/markup-compatibility/2006" xmlns:a14="http://schemas.microsoft.com/office/drawing/2010/main">
+        <mc:Choice Requires="a14">
           <p:sp>
             <p:nvSpPr>
               <p:cNvPr id="7" name="TextBox 6">
@@ -13714,7 +13695,7 @@
             </p:txBody>
           </p:sp>
         </mc:Choice>
-        <mc:Fallback>
+        <mc:Fallback xmlns="">
           <p:sp>
             <p:nvSpPr>
               <p:cNvPr id="7" name="TextBox 6">
@@ -13759,8 +13740,8 @@
           </p:sp>
         </mc:Fallback>
       </mc:AlternateContent>
-      <mc:AlternateContent xmlns:mc="http://schemas.openxmlformats.org/markup-compatibility/2006">
-        <mc:Choice xmlns:a14="http://schemas.microsoft.com/office/drawing/2010/main" Requires="a14">
+      <mc:AlternateContent xmlns:mc="http://schemas.openxmlformats.org/markup-compatibility/2006" xmlns:a14="http://schemas.microsoft.com/office/drawing/2010/main">
+        <mc:Choice Requires="a14">
           <p:sp>
             <p:nvSpPr>
               <p:cNvPr id="9" name="TextBox 8">
@@ -14027,7 +14008,7 @@
             </p:txBody>
           </p:sp>
         </mc:Choice>
-        <mc:Fallback>
+        <mc:Fallback xmlns="">
           <p:sp>
             <p:nvSpPr>
               <p:cNvPr id="9" name="TextBox 8">
@@ -14072,6 +14053,837 @@
           </p:sp>
         </mc:Fallback>
       </mc:AlternateContent>
+      <mc:AlternateContent xmlns:mc="http://schemas.openxmlformats.org/markup-compatibility/2006">
+        <mc:Choice xmlns:a14="http://schemas.microsoft.com/office/drawing/2010/main" Requires="a14">
+          <p:sp>
+            <p:nvSpPr>
+              <p:cNvPr id="3" name="TextBox 2">
+                <a:extLst>
+                  <a:ext uri="{FF2B5EF4-FFF2-40B4-BE49-F238E27FC236}">
+                    <a16:creationId xmlns:a16="http://schemas.microsoft.com/office/drawing/2014/main" id="{B3DF65A4-DD41-8A43-9BC8-0D7EB7CD4D36}"/>
+                  </a:ext>
+                </a:extLst>
+              </p:cNvPr>
+              <p:cNvSpPr txBox="1"/>
+              <p:nvPr/>
+            </p:nvSpPr>
+            <p:spPr>
+              <a:xfrm>
+                <a:off x="911300" y="3268910"/>
+                <a:ext cx="7697972" cy="3005759"/>
+              </a:xfrm>
+              <a:prstGeom prst="rect">
+                <a:avLst/>
+              </a:prstGeom>
+              <a:noFill/>
+            </p:spPr>
+            <p:txBody>
+              <a:bodyPr wrap="square" rtlCol="0">
+                <a:spAutoFit/>
+              </a:bodyPr>
+              <a:lstStyle/>
+              <a:p>
+                <a14:m>
+                  <m:oMath xmlns:m="http://schemas.openxmlformats.org/officeDocument/2006/math">
+                    <m:sSup>
+                      <m:sSupPr>
+                        <m:ctrlPr>
+                          <a:rPr lang="ru-RU" sz="2000" i="1" smtClean="0">
+                            <a:effectLst/>
+                            <a:latin typeface="Cambria Math" panose="02040503050406030204" pitchFamily="18" charset="0"/>
+                          </a:rPr>
+                        </m:ctrlPr>
+                      </m:sSupPr>
+                      <m:e>
+                        <m:r>
+                          <a:rPr lang="ru-RU" sz="2000" i="1" smtClean="0">
+                            <a:effectLst/>
+                            <a:latin typeface="Cambria Math" panose="02040503050406030204" pitchFamily="18" charset="0"/>
+                            <a:ea typeface="Cambria Math" panose="02040503050406030204" pitchFamily="18" charset="0"/>
+                          </a:rPr>
+                          <m:t>𝜒</m:t>
+                        </m:r>
+                      </m:e>
+                      <m:sup>
+                        <m:r>
+                          <a:rPr lang="ru-RU" sz="2000" b="0" i="1" smtClean="0">
+                            <a:effectLst/>
+                            <a:latin typeface="Cambria Math" panose="02040503050406030204" pitchFamily="18" charset="0"/>
+                          </a:rPr>
+                          <m:t>2</m:t>
+                        </m:r>
+                      </m:sup>
+                    </m:sSup>
+                  </m:oMath>
+                </a14:m>
+                <a:r>
+                  <a:rPr lang="ru-RU" sz="2000" dirty="0"/>
+                  <a:t> с </a:t>
+                </a:r>
+                <a:r>
+                  <a:rPr lang="en-US" sz="2000" i="1" dirty="0"/>
+                  <a:t>r</a:t>
+                </a:r>
+                <a:r>
+                  <a:rPr lang="en-US" sz="2000" dirty="0"/>
+                  <a:t> </a:t>
+                </a:r>
+                <a:r>
+                  <a:rPr lang="ru-RU" sz="2000" dirty="0"/>
+                  <a:t>степенями свободы – это распределение суммы квадратов </a:t>
+                </a:r>
+                <a:r>
+                  <a:rPr lang="en-US" sz="2000" i="1" dirty="0"/>
+                  <a:t>r</a:t>
+                </a:r>
+                <a:r>
+                  <a:rPr lang="en-US" sz="2000" dirty="0"/>
+                  <a:t> </a:t>
+                </a:r>
+                <a:r>
+                  <a:rPr lang="ru-RU" sz="2000" dirty="0"/>
+                  <a:t>независимых случайных величин, каждая из которых подчинена нормальному закону с мат</a:t>
+                </a:r>
+                <a:r>
+                  <a:rPr lang="en-US" sz="2000" dirty="0"/>
+                  <a:t>.</a:t>
+                </a:r>
+                <a:r>
+                  <a:rPr lang="ru-RU" sz="2000" dirty="0"/>
+                  <a:t>ожиданием = </a:t>
+                </a:r>
+                <a:r>
+                  <a:rPr lang="ru-RU" sz="2000" i="1" dirty="0"/>
+                  <a:t>0</a:t>
+                </a:r>
+                <a:r>
+                  <a:rPr lang="ru-RU" sz="2000" dirty="0"/>
+                  <a:t> и дисперсией = 1. </a:t>
+                </a:r>
+              </a:p>
+              <a:p>
+                <a:r>
+                  <a:rPr lang="ru-RU" sz="2000" dirty="0"/>
+                  <a:t>Плотность распределения:</a:t>
+                </a:r>
+              </a:p>
+              <a:p>
+                <a:r>
+                  <a:rPr lang="ru-RU" sz="2000" dirty="0"/>
+                  <a:t> </a:t>
+                </a:r>
+                <a14:m>
+                  <m:oMath xmlns:m="http://schemas.openxmlformats.org/officeDocument/2006/math">
+                    <m:sSub>
+                      <m:sSubPr>
+                        <m:ctrlPr>
+                          <a:rPr lang="ru-RU" sz="2000" i="1" smtClean="0">
+                            <a:latin typeface="Cambria Math" panose="02040503050406030204" pitchFamily="18" charset="0"/>
+                          </a:rPr>
+                        </m:ctrlPr>
+                      </m:sSubPr>
+                      <m:e>
+                        <m:r>
+                          <a:rPr lang="en-US" sz="2000" b="0" i="1" smtClean="0">
+                            <a:latin typeface="Cambria Math" panose="02040503050406030204" pitchFamily="18" charset="0"/>
+                          </a:rPr>
+                          <m:t>𝑓</m:t>
+                        </m:r>
+                      </m:e>
+                      <m:sub>
+                        <m:r>
+                          <a:rPr lang="en-US" sz="2000" b="0" i="1" smtClean="0">
+                            <a:latin typeface="Cambria Math" panose="02040503050406030204" pitchFamily="18" charset="0"/>
+                          </a:rPr>
+                          <m:t>𝑟</m:t>
+                        </m:r>
+                      </m:sub>
+                    </m:sSub>
+                    <m:d>
+                      <m:dPr>
+                        <m:ctrlPr>
+                          <a:rPr lang="en-US" sz="2000" b="0" i="1" smtClean="0">
+                            <a:latin typeface="Cambria Math" panose="02040503050406030204" pitchFamily="18" charset="0"/>
+                          </a:rPr>
+                        </m:ctrlPr>
+                      </m:dPr>
+                      <m:e>
+                        <m:r>
+                          <a:rPr lang="en-US" sz="2000" b="0" i="1" smtClean="0">
+                            <a:latin typeface="Cambria Math" panose="02040503050406030204" pitchFamily="18" charset="0"/>
+                          </a:rPr>
+                          <m:t>𝑢</m:t>
+                        </m:r>
+                      </m:e>
+                    </m:d>
+                    <m:r>
+                      <a:rPr lang="en-US" sz="2000" b="0" i="1" smtClean="0">
+                        <a:latin typeface="Cambria Math" panose="02040503050406030204" pitchFamily="18" charset="0"/>
+                      </a:rPr>
+                      <m:t>=</m:t>
+                    </m:r>
+                    <m:d>
+                      <m:dPr>
+                        <m:begChr m:val="{"/>
+                        <m:endChr m:val=""/>
+                        <m:ctrlPr>
+                          <a:rPr lang="en-US" sz="2000" b="0" i="1" smtClean="0">
+                            <a:latin typeface="Cambria Math" panose="02040503050406030204" pitchFamily="18" charset="0"/>
+                          </a:rPr>
+                        </m:ctrlPr>
+                      </m:dPr>
+                      <m:e>
+                        <m:eqArr>
+                          <m:eqArrPr>
+                            <m:ctrlPr>
+                              <a:rPr lang="en-US" sz="2000" b="0" i="1" smtClean="0">
+                                <a:latin typeface="Cambria Math" panose="02040503050406030204" pitchFamily="18" charset="0"/>
+                              </a:rPr>
+                            </m:ctrlPr>
+                          </m:eqArrPr>
+                          <m:e>
+                            <m:f>
+                              <m:fPr>
+                                <m:ctrlPr>
+                                  <a:rPr lang="en-US" sz="2000" b="0" i="1" smtClean="0">
+                                    <a:latin typeface="Cambria Math" panose="02040503050406030204" pitchFamily="18" charset="0"/>
+                                  </a:rPr>
+                                </m:ctrlPr>
+                              </m:fPr>
+                              <m:num>
+                                <m:r>
+                                  <a:rPr lang="en-US" sz="2000" b="0" i="1" smtClean="0">
+                                    <a:latin typeface="Cambria Math" panose="02040503050406030204" pitchFamily="18" charset="0"/>
+                                  </a:rPr>
+                                  <m:t>1</m:t>
+                                </m:r>
+                              </m:num>
+                              <m:den>
+                                <m:sSup>
+                                  <m:sSupPr>
+                                    <m:ctrlPr>
+                                      <a:rPr lang="en-US" sz="2000" b="0" i="1" smtClean="0">
+                                        <a:latin typeface="Cambria Math" panose="02040503050406030204" pitchFamily="18" charset="0"/>
+                                      </a:rPr>
+                                    </m:ctrlPr>
+                                  </m:sSupPr>
+                                  <m:e>
+                                    <m:r>
+                                      <a:rPr lang="en-US" sz="2000" b="0" i="1" smtClean="0">
+                                        <a:latin typeface="Cambria Math" panose="02040503050406030204" pitchFamily="18" charset="0"/>
+                                      </a:rPr>
+                                      <m:t>2</m:t>
+                                    </m:r>
+                                  </m:e>
+                                  <m:sup>
+                                    <m:f>
+                                      <m:fPr>
+                                        <m:ctrlPr>
+                                          <a:rPr lang="en-US" sz="2000" b="0" i="1" smtClean="0">
+                                            <a:latin typeface="Cambria Math" panose="02040503050406030204" pitchFamily="18" charset="0"/>
+                                          </a:rPr>
+                                        </m:ctrlPr>
+                                      </m:fPr>
+                                      <m:num>
+                                        <m:r>
+                                          <a:rPr lang="en-US" sz="2000" b="0" i="1" smtClean="0">
+                                            <a:latin typeface="Cambria Math" panose="02040503050406030204" pitchFamily="18" charset="0"/>
+                                          </a:rPr>
+                                          <m:t>𝑟</m:t>
+                                        </m:r>
+                                      </m:num>
+                                      <m:den>
+                                        <m:r>
+                                          <a:rPr lang="en-US" sz="2000" b="0" i="1" smtClean="0">
+                                            <a:latin typeface="Cambria Math" panose="02040503050406030204" pitchFamily="18" charset="0"/>
+                                          </a:rPr>
+                                          <m:t>2</m:t>
+                                        </m:r>
+                                      </m:den>
+                                    </m:f>
+                                  </m:sup>
+                                </m:sSup>
+                                <m:r>
+                                  <m:rPr>
+                                    <m:sty m:val="p"/>
+                                  </m:rPr>
+                                  <a:rPr lang="el-GR" sz="2000" b="0" i="1" smtClean="0">
+                                    <a:latin typeface="Cambria Math" panose="02040503050406030204" pitchFamily="18" charset="0"/>
+                                    <a:ea typeface="Cambria Math" panose="02040503050406030204" pitchFamily="18" charset="0"/>
+                                  </a:rPr>
+                                  <m:t>Γ</m:t>
+                                </m:r>
+                                <m:r>
+                                  <a:rPr lang="en-US" sz="2000" b="0" i="1" smtClean="0">
+                                    <a:latin typeface="Cambria Math" panose="02040503050406030204" pitchFamily="18" charset="0"/>
+                                    <a:ea typeface="Cambria Math" panose="02040503050406030204" pitchFamily="18" charset="0"/>
+                                  </a:rPr>
+                                  <m:t>(</m:t>
+                                </m:r>
+                                <m:f>
+                                  <m:fPr>
+                                    <m:ctrlPr>
+                                      <a:rPr lang="en-US" sz="2000" i="1">
+                                        <a:latin typeface="Cambria Math" panose="02040503050406030204" pitchFamily="18" charset="0"/>
+                                      </a:rPr>
+                                    </m:ctrlPr>
+                                  </m:fPr>
+                                  <m:num>
+                                    <m:r>
+                                      <a:rPr lang="en-US" sz="2000" i="1">
+                                        <a:latin typeface="Cambria Math" panose="02040503050406030204" pitchFamily="18" charset="0"/>
+                                      </a:rPr>
+                                      <m:t>𝑟</m:t>
+                                    </m:r>
+                                  </m:num>
+                                  <m:den>
+                                    <m:r>
+                                      <a:rPr lang="en-US" sz="2000" i="1">
+                                        <a:latin typeface="Cambria Math" panose="02040503050406030204" pitchFamily="18" charset="0"/>
+                                      </a:rPr>
+                                      <m:t>2</m:t>
+                                    </m:r>
+                                  </m:den>
+                                </m:f>
+                                <m:r>
+                                  <a:rPr lang="en-US" sz="2000" b="0" i="1" smtClean="0">
+                                    <a:latin typeface="Cambria Math" panose="02040503050406030204" pitchFamily="18" charset="0"/>
+                                    <a:ea typeface="Cambria Math" panose="02040503050406030204" pitchFamily="18" charset="0"/>
+                                  </a:rPr>
+                                  <m:t>)</m:t>
+                                </m:r>
+                              </m:den>
+                            </m:f>
+                            <m:sSup>
+                              <m:sSupPr>
+                                <m:ctrlPr>
+                                  <a:rPr lang="en-US" sz="2000" b="0" i="1" smtClean="0">
+                                    <a:latin typeface="Cambria Math" panose="02040503050406030204" pitchFamily="18" charset="0"/>
+                                  </a:rPr>
+                                </m:ctrlPr>
+                              </m:sSupPr>
+                              <m:e>
+                                <m:r>
+                                  <a:rPr lang="en-US" sz="2000" b="0" i="1" smtClean="0">
+                                    <a:latin typeface="Cambria Math" panose="02040503050406030204" pitchFamily="18" charset="0"/>
+                                  </a:rPr>
+                                  <m:t>𝑢</m:t>
+                                </m:r>
+                              </m:e>
+                              <m:sup>
+                                <m:f>
+                                  <m:fPr>
+                                    <m:ctrlPr>
+                                      <a:rPr lang="en-US" sz="2000" i="1">
+                                        <a:latin typeface="Cambria Math" panose="02040503050406030204" pitchFamily="18" charset="0"/>
+                                      </a:rPr>
+                                    </m:ctrlPr>
+                                  </m:fPr>
+                                  <m:num>
+                                    <m:r>
+                                      <a:rPr lang="en-US" sz="2000" i="1">
+                                        <a:latin typeface="Cambria Math" panose="02040503050406030204" pitchFamily="18" charset="0"/>
+                                      </a:rPr>
+                                      <m:t>𝑟</m:t>
+                                    </m:r>
+                                  </m:num>
+                                  <m:den>
+                                    <m:r>
+                                      <a:rPr lang="en-US" sz="2000" i="1">
+                                        <a:latin typeface="Cambria Math" panose="02040503050406030204" pitchFamily="18" charset="0"/>
+                                      </a:rPr>
+                                      <m:t>2</m:t>
+                                    </m:r>
+                                  </m:den>
+                                </m:f>
+                                <m:r>
+                                  <a:rPr lang="en-US" sz="2000" b="0" i="1" smtClean="0">
+                                    <a:latin typeface="Cambria Math" panose="02040503050406030204" pitchFamily="18" charset="0"/>
+                                  </a:rPr>
+                                  <m:t> −1</m:t>
+                                </m:r>
+                              </m:sup>
+                            </m:sSup>
+                            <m:sSup>
+                              <m:sSupPr>
+                                <m:ctrlPr>
+                                  <a:rPr lang="en-US" sz="2000" b="0" i="1" smtClean="0">
+                                    <a:latin typeface="Cambria Math" panose="02040503050406030204" pitchFamily="18" charset="0"/>
+                                  </a:rPr>
+                                </m:ctrlPr>
+                              </m:sSupPr>
+                              <m:e>
+                                <m:r>
+                                  <a:rPr lang="en-US" sz="2000" b="0" i="1" smtClean="0">
+                                    <a:latin typeface="Cambria Math" panose="02040503050406030204" pitchFamily="18" charset="0"/>
+                                  </a:rPr>
+                                  <m:t>𝑒</m:t>
+                                </m:r>
+                              </m:e>
+                              <m:sup>
+                                <m:r>
+                                  <a:rPr lang="en-US" sz="2000" b="0" i="1" smtClean="0">
+                                    <a:latin typeface="Cambria Math" panose="02040503050406030204" pitchFamily="18" charset="0"/>
+                                  </a:rPr>
+                                  <m:t>−</m:t>
+                                </m:r>
+                                <m:r>
+                                  <a:rPr lang="ru-RU" sz="2000" b="0" i="1" smtClean="0">
+                                    <a:latin typeface="Cambria Math" panose="02040503050406030204" pitchFamily="18" charset="0"/>
+                                  </a:rPr>
+                                  <m:t> </m:t>
+                                </m:r>
+                                <m:f>
+                                  <m:fPr>
+                                    <m:ctrlPr>
+                                      <a:rPr lang="en-US" sz="2000" i="1">
+                                        <a:latin typeface="Cambria Math" panose="02040503050406030204" pitchFamily="18" charset="0"/>
+                                      </a:rPr>
+                                    </m:ctrlPr>
+                                  </m:fPr>
+                                  <m:num>
+                                    <m:r>
+                                      <a:rPr lang="en-US" sz="2000" b="0" i="1" smtClean="0">
+                                        <a:latin typeface="Cambria Math" panose="02040503050406030204" pitchFamily="18" charset="0"/>
+                                      </a:rPr>
+                                      <m:t>𝑢</m:t>
+                                    </m:r>
+                                  </m:num>
+                                  <m:den>
+                                    <m:r>
+                                      <a:rPr lang="en-US" sz="2000" i="1">
+                                        <a:latin typeface="Cambria Math" panose="02040503050406030204" pitchFamily="18" charset="0"/>
+                                      </a:rPr>
+                                      <m:t>2</m:t>
+                                    </m:r>
+                                  </m:den>
+                                </m:f>
+                              </m:sup>
+                            </m:sSup>
+                            <m:r>
+                              <a:rPr lang="en-US" sz="2000" b="0" i="1" smtClean="0">
+                                <a:latin typeface="Cambria Math" panose="02040503050406030204" pitchFamily="18" charset="0"/>
+                              </a:rPr>
+                              <m:t> </m:t>
+                            </m:r>
+                            <m:r>
+                              <a:rPr lang="ru-RU" sz="2000" b="0" i="1" smtClean="0">
+                                <a:latin typeface="Cambria Math" panose="02040503050406030204" pitchFamily="18" charset="0"/>
+                              </a:rPr>
+                              <m:t>при </m:t>
+                            </m:r>
+                            <m:r>
+                              <a:rPr lang="en-US" sz="2000" b="0" i="1" smtClean="0">
+                                <a:latin typeface="Cambria Math" panose="02040503050406030204" pitchFamily="18" charset="0"/>
+                              </a:rPr>
+                              <m:t>𝑢</m:t>
+                            </m:r>
+                            <m:r>
+                              <a:rPr lang="en-US" sz="2000" b="0" i="1" smtClean="0">
+                                <a:latin typeface="Cambria Math" panose="02040503050406030204" pitchFamily="18" charset="0"/>
+                              </a:rPr>
+                              <m:t>&gt;0</m:t>
+                            </m:r>
+                          </m:e>
+                          <m:e>
+                            <m:r>
+                              <a:rPr lang="en-US" sz="2000" b="0" i="1" smtClean="0">
+                                <a:latin typeface="Cambria Math" panose="02040503050406030204" pitchFamily="18" charset="0"/>
+                              </a:rPr>
+                              <m:t>0 </m:t>
+                            </m:r>
+                            <m:r>
+                              <a:rPr lang="ru-RU" sz="2000" b="0" i="1" smtClean="0">
+                                <a:latin typeface="Cambria Math" panose="02040503050406030204" pitchFamily="18" charset="0"/>
+                              </a:rPr>
+                              <m:t>при </m:t>
+                            </m:r>
+                            <m:r>
+                              <a:rPr lang="en-US" sz="2000" b="0" i="1" smtClean="0">
+                                <a:latin typeface="Cambria Math" panose="02040503050406030204" pitchFamily="18" charset="0"/>
+                              </a:rPr>
+                              <m:t>𝑢</m:t>
+                            </m:r>
+                            <m:r>
+                              <a:rPr lang="en-US" sz="2000" b="0" i="1" smtClean="0">
+                                <a:latin typeface="Cambria Math" panose="02040503050406030204" pitchFamily="18" charset="0"/>
+                              </a:rPr>
+                              <m:t>≤0</m:t>
+                            </m:r>
+                          </m:e>
+                        </m:eqArr>
+                        <m:r>
+                          <a:rPr lang="en-US" sz="2000" b="0" i="1" smtClean="0">
+                            <a:latin typeface="Cambria Math" panose="02040503050406030204" pitchFamily="18" charset="0"/>
+                          </a:rPr>
+                          <m:t>,</m:t>
+                        </m:r>
+                      </m:e>
+                    </m:d>
+                  </m:oMath>
+                </a14:m>
+                <a:endParaRPr lang="en-US" sz="2000" dirty="0"/>
+              </a:p>
+              <a:p>
+                <a:r>
+                  <a:rPr lang="ru-RU" sz="2000" dirty="0"/>
+                  <a:t>где </a:t>
+                </a:r>
+                <a14:m>
+                  <m:oMath xmlns:m="http://schemas.openxmlformats.org/officeDocument/2006/math">
+                    <m:r>
+                      <m:rPr>
+                        <m:sty m:val="p"/>
+                      </m:rPr>
+                      <a:rPr lang="el-GR" sz="2000" b="0" i="1" smtClean="0">
+                        <a:latin typeface="Cambria Math" panose="02040503050406030204" pitchFamily="18" charset="0"/>
+                        <a:ea typeface="Cambria Math" panose="02040503050406030204" pitchFamily="18" charset="0"/>
+                      </a:rPr>
+                      <m:t>Γ</m:t>
+                    </m:r>
+                    <m:d>
+                      <m:dPr>
+                        <m:ctrlPr>
+                          <a:rPr lang="ru-RU" sz="2000" b="0" i="1" smtClean="0">
+                            <a:latin typeface="Cambria Math" panose="02040503050406030204" pitchFamily="18" charset="0"/>
+                            <a:ea typeface="Cambria Math" panose="02040503050406030204" pitchFamily="18" charset="0"/>
+                          </a:rPr>
+                        </m:ctrlPr>
+                      </m:dPr>
+                      <m:e>
+                        <m:r>
+                          <a:rPr lang="ru-RU" sz="2000" b="0" i="1" smtClean="0">
+                            <a:latin typeface="Cambria Math" panose="02040503050406030204" pitchFamily="18" charset="0"/>
+                            <a:ea typeface="Cambria Math" panose="02040503050406030204" pitchFamily="18" charset="0"/>
+                          </a:rPr>
+                          <m:t>𝛼</m:t>
+                        </m:r>
+                      </m:e>
+                    </m:d>
+                    <m:r>
+                      <a:rPr lang="ru-RU" sz="2000" b="0" i="1" smtClean="0">
+                        <a:latin typeface="Cambria Math" panose="02040503050406030204" pitchFamily="18" charset="0"/>
+                        <a:ea typeface="Cambria Math" panose="02040503050406030204" pitchFamily="18" charset="0"/>
+                      </a:rPr>
+                      <m:t>=</m:t>
+                    </m:r>
+                    <m:nary>
+                      <m:naryPr>
+                        <m:ctrlPr>
+                          <a:rPr lang="ru-RU" sz="2000" b="0" i="1" smtClean="0">
+                            <a:latin typeface="Cambria Math" panose="02040503050406030204" pitchFamily="18" charset="0"/>
+                            <a:ea typeface="Cambria Math" panose="02040503050406030204" pitchFamily="18" charset="0"/>
+                          </a:rPr>
+                        </m:ctrlPr>
+                      </m:naryPr>
+                      <m:sub>
+                        <m:r>
+                          <m:rPr>
+                            <m:brk m:alnAt="23"/>
+                          </m:rPr>
+                          <a:rPr lang="ru-RU" sz="2000" b="0" i="1" smtClean="0">
+                            <a:latin typeface="Cambria Math" panose="02040503050406030204" pitchFamily="18" charset="0"/>
+                            <a:ea typeface="Cambria Math" panose="02040503050406030204" pitchFamily="18" charset="0"/>
+                          </a:rPr>
+                          <m:t>0</m:t>
+                        </m:r>
+                      </m:sub>
+                      <m:sup>
+                        <m:r>
+                          <a:rPr lang="ru-RU" sz="2000" b="0" i="1" smtClean="0">
+                            <a:latin typeface="Cambria Math" panose="02040503050406030204" pitchFamily="18" charset="0"/>
+                            <a:ea typeface="Cambria Math" panose="02040503050406030204" pitchFamily="18" charset="0"/>
+                          </a:rPr>
+                          <m:t>∞</m:t>
+                        </m:r>
+                      </m:sup>
+                      <m:e>
+                        <m:sSup>
+                          <m:sSupPr>
+                            <m:ctrlPr>
+                              <a:rPr lang="ru-RU" sz="2000" b="0" i="1" smtClean="0">
+                                <a:latin typeface="Cambria Math" panose="02040503050406030204" pitchFamily="18" charset="0"/>
+                                <a:ea typeface="Cambria Math" panose="02040503050406030204" pitchFamily="18" charset="0"/>
+                              </a:rPr>
+                            </m:ctrlPr>
+                          </m:sSupPr>
+                          <m:e>
+                            <m:r>
+                              <a:rPr lang="en-US" sz="2000" b="0" i="1" smtClean="0">
+                                <a:latin typeface="Cambria Math" panose="02040503050406030204" pitchFamily="18" charset="0"/>
+                                <a:ea typeface="Cambria Math" panose="02040503050406030204" pitchFamily="18" charset="0"/>
+                              </a:rPr>
+                              <m:t>𝑡</m:t>
+                            </m:r>
+                          </m:e>
+                          <m:sup>
+                            <m:r>
+                              <a:rPr lang="ru-RU" sz="2000" b="0" i="1" smtClean="0">
+                                <a:latin typeface="Cambria Math" panose="02040503050406030204" pitchFamily="18" charset="0"/>
+                                <a:ea typeface="Cambria Math" panose="02040503050406030204" pitchFamily="18" charset="0"/>
+                              </a:rPr>
+                              <m:t>𝛼</m:t>
+                            </m:r>
+                            <m:r>
+                              <a:rPr lang="en-US" sz="2000" b="0" i="1" smtClean="0">
+                                <a:latin typeface="Cambria Math" panose="02040503050406030204" pitchFamily="18" charset="0"/>
+                                <a:ea typeface="Cambria Math" panose="02040503050406030204" pitchFamily="18" charset="0"/>
+                              </a:rPr>
+                              <m:t>−1</m:t>
+                            </m:r>
+                          </m:sup>
+                        </m:sSup>
+                      </m:e>
+                    </m:nary>
+                    <m:sSup>
+                      <m:sSupPr>
+                        <m:ctrlPr>
+                          <a:rPr lang="ru-RU" sz="2000" b="0" i="1" smtClean="0">
+                            <a:latin typeface="Cambria Math" panose="02040503050406030204" pitchFamily="18" charset="0"/>
+                            <a:ea typeface="Cambria Math" panose="02040503050406030204" pitchFamily="18" charset="0"/>
+                          </a:rPr>
+                        </m:ctrlPr>
+                      </m:sSupPr>
+                      <m:e>
+                        <m:r>
+                          <a:rPr lang="en-US" sz="2000" b="0" i="1" smtClean="0">
+                            <a:latin typeface="Cambria Math" panose="02040503050406030204" pitchFamily="18" charset="0"/>
+                            <a:ea typeface="Cambria Math" panose="02040503050406030204" pitchFamily="18" charset="0"/>
+                          </a:rPr>
+                          <m:t>𝑒</m:t>
+                        </m:r>
+                      </m:e>
+                      <m:sup>
+                        <m:r>
+                          <a:rPr lang="en-US" sz="2000" b="0" i="1" smtClean="0">
+                            <a:latin typeface="Cambria Math" panose="02040503050406030204" pitchFamily="18" charset="0"/>
+                            <a:ea typeface="Cambria Math" panose="02040503050406030204" pitchFamily="18" charset="0"/>
+                          </a:rPr>
+                          <m:t>−</m:t>
+                        </m:r>
+                        <m:r>
+                          <a:rPr lang="en-US" sz="2000" b="0" i="1" smtClean="0">
+                            <a:latin typeface="Cambria Math" panose="02040503050406030204" pitchFamily="18" charset="0"/>
+                            <a:ea typeface="Cambria Math" panose="02040503050406030204" pitchFamily="18" charset="0"/>
+                          </a:rPr>
+                          <m:t>𝑡</m:t>
+                        </m:r>
+                      </m:sup>
+                    </m:sSup>
+                    <m:r>
+                      <a:rPr lang="en" sz="2000" b="0" i="1" smtClean="0">
+                        <a:latin typeface="Cambria Math" panose="02040503050406030204" pitchFamily="18" charset="0"/>
+                        <a:ea typeface="Cambria Math" panose="02040503050406030204" pitchFamily="18" charset="0"/>
+                      </a:rPr>
+                      <m:t>ⅆ</m:t>
+                    </m:r>
+                    <m:r>
+                      <a:rPr lang="en-US" sz="2000" b="0" i="1" smtClean="0">
+                        <a:latin typeface="Cambria Math" panose="02040503050406030204" pitchFamily="18" charset="0"/>
+                        <a:ea typeface="Cambria Math" panose="02040503050406030204" pitchFamily="18" charset="0"/>
+                      </a:rPr>
+                      <m:t>𝑡</m:t>
+                    </m:r>
+                  </m:oMath>
+                </a14:m>
+                <a:r>
+                  <a:rPr lang="en-US" sz="2000" dirty="0"/>
+                  <a:t> – </a:t>
+                </a:r>
+                <a:r>
+                  <a:rPr lang="ru-RU" sz="2000" dirty="0"/>
+                  <a:t>гамма функция.</a:t>
+                </a:r>
+                <a:endParaRPr lang="en-US" sz="2000" dirty="0"/>
+              </a:p>
+              <a:p>
+                <a:r>
+                  <a:rPr lang="ru-RU" sz="2000" dirty="0"/>
+                  <a:t>мат</a:t>
+                </a:r>
+                <a:r>
+                  <a:rPr lang="en-US" sz="2000" dirty="0"/>
+                  <a:t>.</a:t>
+                </a:r>
+                <a:r>
+                  <a:rPr lang="ru-RU" sz="2000" dirty="0"/>
+                  <a:t>ожидание </a:t>
+                </a:r>
+                <a:r>
+                  <a:rPr lang="en-US" sz="2000" dirty="0">
+                    <a:latin typeface="Cambria Math" panose="02040503050406030204" pitchFamily="18" charset="0"/>
+                    <a:ea typeface="Cambria Math" panose="02040503050406030204" pitchFamily="18" charset="0"/>
+                  </a:rPr>
+                  <a:t>M[</a:t>
+                </a:r>
+                <a:r>
+                  <a:rPr lang="en-US" sz="2000" i="1" dirty="0">
+                    <a:latin typeface="Cambria Math" panose="02040503050406030204" pitchFamily="18" charset="0"/>
+                    <a:ea typeface="Cambria Math" panose="02040503050406030204" pitchFamily="18" charset="0"/>
+                  </a:rPr>
+                  <a:t>U</a:t>
+                </a:r>
+                <a:r>
+                  <a:rPr lang="ru-RU" sz="2000" i="1" dirty="0">
+                    <a:latin typeface="Cambria Math" panose="02040503050406030204" pitchFamily="18" charset="0"/>
+                    <a:ea typeface="Cambria Math" panose="02040503050406030204" pitchFamily="18" charset="0"/>
+                  </a:rPr>
+                  <a:t> </a:t>
+                </a:r>
+                <a:r>
+                  <a:rPr lang="en-US" sz="2000" dirty="0">
+                    <a:latin typeface="Cambria Math" panose="02040503050406030204" pitchFamily="18" charset="0"/>
+                    <a:ea typeface="Cambria Math" panose="02040503050406030204" pitchFamily="18" charset="0"/>
+                  </a:rPr>
+                  <a:t>]</a:t>
+                </a:r>
+                <a:r>
+                  <a:rPr lang="ru-RU" sz="2000" dirty="0">
+                    <a:latin typeface="Cambria Math" panose="02040503050406030204" pitchFamily="18" charset="0"/>
+                    <a:ea typeface="Cambria Math" panose="02040503050406030204" pitchFamily="18" charset="0"/>
+                  </a:rPr>
+                  <a:t> = </a:t>
+                </a:r>
+                <a:r>
+                  <a:rPr lang="en-US" sz="2000" i="1" dirty="0">
+                    <a:latin typeface="Cambria Math" panose="02040503050406030204" pitchFamily="18" charset="0"/>
+                    <a:ea typeface="Cambria Math" panose="02040503050406030204" pitchFamily="18" charset="0"/>
+                  </a:rPr>
+                  <a:t>r</a:t>
+                </a:r>
+                <a:r>
+                  <a:rPr lang="ru-RU" sz="2000" dirty="0"/>
+                  <a:t> и дисперсия </a:t>
+                </a:r>
+                <a:r>
+                  <a:rPr lang="en-US" sz="2000" i="1" dirty="0">
+                    <a:latin typeface="Cambria Math" panose="02040503050406030204" pitchFamily="18" charset="0"/>
+                    <a:ea typeface="Cambria Math" panose="02040503050406030204" pitchFamily="18" charset="0"/>
+                  </a:rPr>
+                  <a:t>D</a:t>
+                </a:r>
+                <a:r>
+                  <a:rPr lang="ru-RU" sz="2000" i="1" dirty="0">
+                    <a:latin typeface="Cambria Math" panose="02040503050406030204" pitchFamily="18" charset="0"/>
+                    <a:ea typeface="Cambria Math" panose="02040503050406030204" pitchFamily="18" charset="0"/>
+                  </a:rPr>
+                  <a:t> </a:t>
+                </a:r>
+                <a:r>
+                  <a:rPr lang="en-US" sz="2000" dirty="0">
+                    <a:latin typeface="Cambria Math" panose="02040503050406030204" pitchFamily="18" charset="0"/>
+                    <a:ea typeface="Cambria Math" panose="02040503050406030204" pitchFamily="18" charset="0"/>
+                  </a:rPr>
+                  <a:t>[</a:t>
+                </a:r>
+                <a:r>
+                  <a:rPr lang="en-US" sz="2000" i="1" dirty="0">
+                    <a:latin typeface="Cambria Math" panose="02040503050406030204" pitchFamily="18" charset="0"/>
+                    <a:ea typeface="Cambria Math" panose="02040503050406030204" pitchFamily="18" charset="0"/>
+                  </a:rPr>
+                  <a:t>U</a:t>
+                </a:r>
+                <a:r>
+                  <a:rPr lang="ru-RU" sz="2000" i="1" dirty="0">
+                    <a:latin typeface="Cambria Math" panose="02040503050406030204" pitchFamily="18" charset="0"/>
+                    <a:ea typeface="Cambria Math" panose="02040503050406030204" pitchFamily="18" charset="0"/>
+                  </a:rPr>
+                  <a:t> </a:t>
+                </a:r>
+                <a:r>
+                  <a:rPr lang="en-US" sz="2000" dirty="0">
+                    <a:latin typeface="Cambria Math" panose="02040503050406030204" pitchFamily="18" charset="0"/>
+                    <a:ea typeface="Cambria Math" panose="02040503050406030204" pitchFamily="18" charset="0"/>
+                  </a:rPr>
+                  <a:t>]</a:t>
+                </a:r>
+                <a:r>
+                  <a:rPr lang="ru-RU" sz="2000" dirty="0">
+                    <a:latin typeface="Cambria Math" panose="02040503050406030204" pitchFamily="18" charset="0"/>
+                    <a:ea typeface="Cambria Math" panose="02040503050406030204" pitchFamily="18" charset="0"/>
+                  </a:rPr>
+                  <a:t> = </a:t>
+                </a:r>
+                <a:r>
+                  <a:rPr lang="en-US" sz="2000" dirty="0">
+                    <a:latin typeface="Cambria Math" panose="02040503050406030204" pitchFamily="18" charset="0"/>
+                    <a:ea typeface="Cambria Math" panose="02040503050406030204" pitchFamily="18" charset="0"/>
+                  </a:rPr>
+                  <a:t>2</a:t>
+                </a:r>
+                <a:r>
+                  <a:rPr lang="en-US" sz="2000" i="1" dirty="0">
+                    <a:latin typeface="Cambria Math" panose="02040503050406030204" pitchFamily="18" charset="0"/>
+                    <a:ea typeface="Cambria Math" panose="02040503050406030204" pitchFamily="18" charset="0"/>
+                  </a:rPr>
+                  <a:t>r</a:t>
+                </a:r>
+                <a:r>
+                  <a:rPr lang="ru-RU" sz="2000" i="1" dirty="0">
+                    <a:latin typeface="Cambria Math" panose="02040503050406030204" pitchFamily="18" charset="0"/>
+                    <a:ea typeface="Cambria Math" panose="02040503050406030204" pitchFamily="18" charset="0"/>
+                  </a:rPr>
+                  <a:t> </a:t>
+                </a:r>
+                <a:r>
+                  <a:rPr lang="ru-RU" sz="2000" i="1" dirty="0">
+                    <a:ea typeface="Cambria Math" panose="02040503050406030204" pitchFamily="18" charset="0"/>
+                  </a:rPr>
+                  <a:t>. </a:t>
+                </a:r>
+                <a:endParaRPr lang="ru-RU" sz="2000" dirty="0">
+                  <a:latin typeface="Cambria Math" panose="02040503050406030204" pitchFamily="18" charset="0"/>
+                  <a:ea typeface="Cambria Math" panose="02040503050406030204" pitchFamily="18" charset="0"/>
+                </a:endParaRPr>
+              </a:p>
+            </p:txBody>
+          </p:sp>
+        </mc:Choice>
+        <mc:Fallback>
+          <p:sp>
+            <p:nvSpPr>
+              <p:cNvPr id="3" name="TextBox 2">
+                <a:extLst>
+                  <a:ext uri="{FF2B5EF4-FFF2-40B4-BE49-F238E27FC236}">
+                    <a16:creationId xmlns:a16="http://schemas.microsoft.com/office/drawing/2014/main" id="{B3DF65A4-DD41-8A43-9BC8-0D7EB7CD4D36}"/>
+                  </a:ext>
+                </a:extLst>
+              </p:cNvPr>
+              <p:cNvSpPr txBox="1">
+                <a:spLocks noRot="1" noChangeAspect="1" noMove="1" noResize="1" noEditPoints="1" noAdjustHandles="1" noChangeArrowheads="1" noChangeShapeType="1" noTextEdit="1"/>
+              </p:cNvSpPr>
+              <p:nvPr/>
+            </p:nvSpPr>
+            <p:spPr>
+              <a:xfrm>
+                <a:off x="911300" y="3268910"/>
+                <a:ext cx="7697972" cy="3005759"/>
+              </a:xfrm>
+              <a:prstGeom prst="rect">
+                <a:avLst/>
+              </a:prstGeom>
+              <a:blipFill>
+                <a:blip r:embed="rId5"/>
+                <a:stretch>
+                  <a:fillRect l="-10708" t="-35443" b="-83966"/>
+                </a:stretch>
+              </a:blipFill>
+            </p:spPr>
+            <p:txBody>
+              <a:bodyPr/>
+              <a:lstStyle/>
+              <a:p>
+                <a:r>
+                  <a:rPr lang="ru-RU">
+                    <a:noFill/>
+                  </a:rPr>
+                  <a:t> </a:t>
+                </a:r>
+              </a:p>
+            </p:txBody>
+          </p:sp>
+        </mc:Fallback>
+      </mc:AlternateContent>
     </p:spTree>
     <p:extLst>
       <p:ext uri="{BB962C8B-B14F-4D97-AF65-F5344CB8AC3E}">
@@ -14086,6 +14898,188 @@
 </file>
 
 <file path=ppt/slides/slide37.xml><?xml version="1.0" encoding="utf-8"?>
+<p:sld xmlns:a="http://schemas.openxmlformats.org/drawingml/2006/main" xmlns:r="http://schemas.openxmlformats.org/officeDocument/2006/relationships" xmlns:p="http://schemas.openxmlformats.org/presentationml/2006/main">
+  <p:cSld>
+    <p:spTree>
+      <p:nvGrpSpPr>
+        <p:cNvPr id="1" name=""/>
+        <p:cNvGrpSpPr/>
+        <p:nvPr/>
+      </p:nvGrpSpPr>
+      <p:grpSpPr>
+        <a:xfrm>
+          <a:off x="0" y="0"/>
+          <a:ext cx="0" cy="0"/>
+          <a:chOff x="0" y="0"/>
+          <a:chExt cx="0" cy="0"/>
+        </a:xfrm>
+      </p:grpSpPr>
+      <mc:AlternateContent xmlns:mc="http://schemas.openxmlformats.org/markup-compatibility/2006">
+        <mc:Choice xmlns:a14="http://schemas.microsoft.com/office/drawing/2010/main" Requires="a14">
+          <p:sp>
+            <p:nvSpPr>
+              <p:cNvPr id="2" name="Заголовок 1">
+                <a:extLst>
+                  <a:ext uri="{FF2B5EF4-FFF2-40B4-BE49-F238E27FC236}">
+                    <a16:creationId xmlns:a16="http://schemas.microsoft.com/office/drawing/2014/main" id="{1B299C58-DBC0-374D-81ED-D03AC561D4FC}"/>
+                  </a:ext>
+                </a:extLst>
+              </p:cNvPr>
+              <p:cNvSpPr>
+                <a:spLocks noGrp="1"/>
+              </p:cNvSpPr>
+              <p:nvPr>
+                <p:ph type="title"/>
+              </p:nvPr>
+            </p:nvSpPr>
+            <p:spPr/>
+            <p:txBody>
+              <a:bodyPr/>
+              <a:lstStyle/>
+              <a:p>
+                <a:r>
+                  <a:rPr lang="ru-RU" dirty="0"/>
+                  <a:t>Функция плотности распределения </a:t>
+                </a:r>
+                <a14:m>
+                  <m:oMath xmlns:m="http://schemas.openxmlformats.org/officeDocument/2006/math">
+                    <m:sSup>
+                      <m:sSupPr>
+                        <m:ctrlPr>
+                          <a:rPr lang="ru-RU" sz="4400" i="1" smtClean="0">
+                            <a:effectLst/>
+                            <a:latin typeface="Cambria Math" panose="02040503050406030204" pitchFamily="18" charset="0"/>
+                          </a:rPr>
+                        </m:ctrlPr>
+                      </m:sSupPr>
+                      <m:e>
+                        <m:r>
+                          <a:rPr lang="ru-RU" sz="4400" i="1" smtClean="0">
+                            <a:effectLst/>
+                            <a:latin typeface="Cambria Math" panose="02040503050406030204" pitchFamily="18" charset="0"/>
+                            <a:ea typeface="Cambria Math" panose="02040503050406030204" pitchFamily="18" charset="0"/>
+                          </a:rPr>
+                          <m:t>𝜒</m:t>
+                        </m:r>
+                      </m:e>
+                      <m:sup>
+                        <m:r>
+                          <a:rPr lang="ru-RU" sz="4400" b="0" i="1" smtClean="0">
+                            <a:effectLst/>
+                            <a:latin typeface="Cambria Math" panose="02040503050406030204" pitchFamily="18" charset="0"/>
+                          </a:rPr>
+                          <m:t>2</m:t>
+                        </m:r>
+                      </m:sup>
+                    </m:sSup>
+                  </m:oMath>
+                </a14:m>
+                <a:endParaRPr lang="ru-RU" dirty="0"/>
+              </a:p>
+            </p:txBody>
+          </p:sp>
+        </mc:Choice>
+        <mc:Fallback>
+          <p:sp>
+            <p:nvSpPr>
+              <p:cNvPr id="2" name="Заголовок 1">
+                <a:extLst>
+                  <a:ext uri="{FF2B5EF4-FFF2-40B4-BE49-F238E27FC236}">
+                    <a16:creationId xmlns:a16="http://schemas.microsoft.com/office/drawing/2014/main" id="{1B299C58-DBC0-374D-81ED-D03AC561D4FC}"/>
+                  </a:ext>
+                </a:extLst>
+              </p:cNvPr>
+              <p:cNvSpPr>
+                <a:spLocks noGrp="1" noRot="1" noChangeAspect="1" noMove="1" noResize="1" noEditPoints="1" noAdjustHandles="1" noChangeArrowheads="1" noChangeShapeType="1" noTextEdit="1"/>
+              </p:cNvSpPr>
+              <p:nvPr>
+                <p:ph type="title"/>
+              </p:nvPr>
+            </p:nvSpPr>
+            <p:spPr>
+              <a:blipFill>
+                <a:blip r:embed="rId2"/>
+                <a:stretch>
+                  <a:fillRect l="-3086" t="-34066" b="-21978"/>
+                </a:stretch>
+              </a:blipFill>
+            </p:spPr>
+            <p:txBody>
+              <a:bodyPr/>
+              <a:lstStyle/>
+              <a:p>
+                <a:r>
+                  <a:rPr lang="ru-RU">
+                    <a:noFill/>
+                  </a:rPr>
+                  <a:t> </a:t>
+                </a:r>
+              </a:p>
+            </p:txBody>
+          </p:sp>
+        </mc:Fallback>
+      </mc:AlternateContent>
+      <p:pic>
+        <p:nvPicPr>
+          <p:cNvPr id="1028" name="Picture 4">
+            <a:extLst>
+              <a:ext uri="{FF2B5EF4-FFF2-40B4-BE49-F238E27FC236}">
+                <a16:creationId xmlns:a16="http://schemas.microsoft.com/office/drawing/2014/main" id="{17FB6978-740E-1F4E-9D84-9340E2A8C506}"/>
+              </a:ext>
+            </a:extLst>
+          </p:cNvPr>
+          <p:cNvPicPr>
+            <a:picLocks noChangeAspect="1" noChangeArrowheads="1"/>
+          </p:cNvPicPr>
+          <p:nvPr/>
+        </p:nvPicPr>
+        <p:blipFill>
+          <a:blip r:embed="rId3">
+            <a:extLst>
+              <a:ext uri="{28A0092B-C50C-407E-A947-70E740481C1C}">
+                <a14:useLocalDpi xmlns:a14="http://schemas.microsoft.com/office/drawing/2010/main" val="0"/>
+              </a:ext>
+            </a:extLst>
+          </a:blip>
+          <a:srcRect/>
+          <a:stretch>
+            <a:fillRect/>
+          </a:stretch>
+        </p:blipFill>
+        <p:spPr bwMode="auto">
+          <a:xfrm>
+            <a:off x="1207643" y="1701208"/>
+            <a:ext cx="6728713" cy="4998126"/>
+          </a:xfrm>
+          <a:prstGeom prst="rect">
+            <a:avLst/>
+          </a:prstGeom>
+          <a:noFill/>
+          <a:extLst>
+            <a:ext uri="{909E8E84-426E-40DD-AFC4-6F175D3DCCD1}">
+              <a14:hiddenFill xmlns:a14="http://schemas.microsoft.com/office/drawing/2010/main">
+                <a:solidFill>
+                  <a:srgbClr val="FFFFFF"/>
+                </a:solidFill>
+              </a14:hiddenFill>
+            </a:ext>
+          </a:extLst>
+        </p:spPr>
+      </p:pic>
+    </p:spTree>
+    <p:extLst>
+      <p:ext uri="{BB962C8B-B14F-4D97-AF65-F5344CB8AC3E}">
+        <p14:creationId xmlns:p14="http://schemas.microsoft.com/office/powerpoint/2010/main" val="265386456"/>
+      </p:ext>
+    </p:extLst>
+  </p:cSld>
+  <p:clrMapOvr>
+    <a:masterClrMapping/>
+  </p:clrMapOvr>
+</p:sld>
+</file>
+
+<file path=ppt/slides/slide38.xml><?xml version="1.0" encoding="utf-8"?>
 <p:sld xmlns:a="http://schemas.openxmlformats.org/drawingml/2006/main" xmlns:r="http://schemas.openxmlformats.org/officeDocument/2006/relationships" xmlns:p="http://schemas.openxmlformats.org/presentationml/2006/main">
   <p:cSld>
     <p:spTree>
@@ -14130,8 +15124,8 @@
           </a:p>
         </p:txBody>
       </p:sp>
-      <mc:AlternateContent xmlns:mc="http://schemas.openxmlformats.org/markup-compatibility/2006">
-        <mc:Choice xmlns:a14="http://schemas.microsoft.com/office/drawing/2010/main" Requires="a14">
+      <mc:AlternateContent xmlns:mc="http://schemas.openxmlformats.org/markup-compatibility/2006" xmlns:a14="http://schemas.microsoft.com/office/drawing/2010/main">
+        <mc:Choice Requires="a14">
           <p:sp>
             <p:nvSpPr>
               <p:cNvPr id="3" name="Текст 2">
@@ -14328,7 +15322,13 @@
                             <a:rPr lang="en-US" sz="1800" b="0" i="1" smtClean="0">
                               <a:latin typeface="Cambria Math" panose="02040503050406030204" pitchFamily="18" charset="0"/>
                             </a:rPr>
-                            <m:t>=1</m:t>
+                            <m:t>=</m:t>
+                          </m:r>
+                          <m:r>
+                            <a:rPr lang="en-US" sz="1800" b="0" i="1" smtClean="0">
+                              <a:latin typeface="Cambria Math" panose="02040503050406030204" pitchFamily="18" charset="0"/>
+                            </a:rPr>
+                            <m:t>1</m:t>
                           </m:r>
                         </m:sub>
                         <m:sup>
@@ -14825,7 +15825,7 @@
             </p:txBody>
           </p:sp>
         </mc:Choice>
-        <mc:Fallback>
+        <mc:Fallback xmlns="">
           <p:sp>
             <p:nvSpPr>
               <p:cNvPr id="3" name="Текст 2">
@@ -14878,7 +15878,7 @@
 </p:sld>
 </file>
 
-<file path=ppt/slides/slide38.xml><?xml version="1.0" encoding="utf-8"?>
+<file path=ppt/slides/slide39.xml><?xml version="1.0" encoding="utf-8"?>
 <p:sld xmlns:a="http://schemas.openxmlformats.org/drawingml/2006/main" xmlns:r="http://schemas.openxmlformats.org/officeDocument/2006/relationships" xmlns:p="http://schemas.openxmlformats.org/presentationml/2006/main">
   <p:cSld>
     <p:spTree>
@@ -14964,490 +15964,6 @@
     <p:extLst>
       <p:ext uri="{BB962C8B-B14F-4D97-AF65-F5344CB8AC3E}">
         <p14:creationId xmlns:p14="http://schemas.microsoft.com/office/powerpoint/2010/main" val="727420617"/>
-      </p:ext>
-    </p:extLst>
-  </p:cSld>
-  <p:clrMapOvr>
-    <a:masterClrMapping/>
-  </p:clrMapOvr>
-</p:sld>
-</file>
-
-<file path=ppt/slides/slide39.xml><?xml version="1.0" encoding="utf-8"?>
-<p:sld xmlns:a="http://schemas.openxmlformats.org/drawingml/2006/main" xmlns:r="http://schemas.openxmlformats.org/officeDocument/2006/relationships" xmlns:p="http://schemas.openxmlformats.org/presentationml/2006/main">
-  <p:cSld>
-    <p:spTree>
-      <p:nvGrpSpPr>
-        <p:cNvPr id="1" name=""/>
-        <p:cNvGrpSpPr/>
-        <p:nvPr/>
-      </p:nvGrpSpPr>
-      <p:grpSpPr>
-        <a:xfrm>
-          <a:off x="0" y="0"/>
-          <a:ext cx="0" cy="0"/>
-          <a:chOff x="0" y="0"/>
-          <a:chExt cx="0" cy="0"/>
-        </a:xfrm>
-      </p:grpSpPr>
-      <p:sp>
-        <p:nvSpPr>
-          <p:cNvPr id="2" name="Заголовок 1">
-            <a:extLst>
-              <a:ext uri="{FF2B5EF4-FFF2-40B4-BE49-F238E27FC236}">
-                <a16:creationId xmlns:a16="http://schemas.microsoft.com/office/drawing/2014/main" id="{32AA76DA-A831-5748-A8A5-17F7583A4D3C}"/>
-              </a:ext>
-            </a:extLst>
-          </p:cNvPr>
-          <p:cNvSpPr>
-            <a:spLocks noGrp="1"/>
-          </p:cNvSpPr>
-          <p:nvPr>
-            <p:ph type="title"/>
-          </p:nvPr>
-        </p:nvSpPr>
-        <p:spPr>
-          <a:xfrm>
-            <a:off x="457200" y="657409"/>
-            <a:ext cx="8229600" cy="533437"/>
-          </a:xfrm>
-        </p:spPr>
-        <p:txBody>
-          <a:bodyPr/>
-          <a:lstStyle/>
-          <a:p>
-            <a:r>
-              <a:rPr lang="ru-RU" dirty="0"/>
-              <a:t>Смысл </a:t>
-            </a:r>
-            <a:r>
-              <a:rPr lang="en-US" dirty="0"/>
-              <a:t>p-value</a:t>
-            </a:r>
-            <a:endParaRPr lang="ru-RU" dirty="0"/>
-          </a:p>
-        </p:txBody>
-      </p:sp>
-      <mc:AlternateContent xmlns:mc="http://schemas.openxmlformats.org/markup-compatibility/2006">
-        <mc:Choice xmlns:a14="http://schemas.microsoft.com/office/drawing/2010/main" Requires="a14">
-          <p:sp>
-            <p:nvSpPr>
-              <p:cNvPr id="3" name="Текст 2">
-                <a:extLst>
-                  <a:ext uri="{FF2B5EF4-FFF2-40B4-BE49-F238E27FC236}">
-                    <a16:creationId xmlns:a16="http://schemas.microsoft.com/office/drawing/2014/main" id="{67E3598E-A5A7-4748-ADA9-9C058CD9D8D0}"/>
-                  </a:ext>
-                </a:extLst>
-              </p:cNvPr>
-              <p:cNvSpPr>
-                <a:spLocks noGrp="1"/>
-              </p:cNvSpPr>
-              <p:nvPr>
-                <p:ph type="body" idx="1"/>
-              </p:nvPr>
-            </p:nvSpPr>
-            <p:spPr>
-              <a:xfrm>
-                <a:off x="457200" y="1722474"/>
-                <a:ext cx="8229600" cy="4914226"/>
-              </a:xfrm>
-            </p:spPr>
-            <p:txBody>
-              <a:bodyPr/>
-              <a:lstStyle/>
-              <a:p>
-                <a:r>
-                  <a:rPr lang="ru-RU" sz="1600" dirty="0">
-                    <a:effectLst/>
-                    <a:latin typeface="CenturyGothic"/>
-                  </a:rPr>
-                  <a:t>Распределение </a:t>
-                </a:r>
-                <a14:m>
-                  <m:oMath xmlns:m="http://schemas.openxmlformats.org/officeDocument/2006/math">
-                    <m:sSup>
-                      <m:sSupPr>
-                        <m:ctrlPr>
-                          <a:rPr lang="ru-RU" sz="1600" i="1" smtClean="0">
-                            <a:effectLst/>
-                            <a:latin typeface="Cambria Math" panose="02040503050406030204" pitchFamily="18" charset="0"/>
-                          </a:rPr>
-                        </m:ctrlPr>
-                      </m:sSupPr>
-                      <m:e>
-                        <m:r>
-                          <a:rPr lang="ru-RU" sz="1600" i="1" smtClean="0">
-                            <a:effectLst/>
-                            <a:latin typeface="Cambria Math" panose="02040503050406030204" pitchFamily="18" charset="0"/>
-                            <a:ea typeface="Cambria Math" panose="02040503050406030204" pitchFamily="18" charset="0"/>
-                          </a:rPr>
-                          <m:t>𝜒</m:t>
-                        </m:r>
-                      </m:e>
-                      <m:sup>
-                        <m:r>
-                          <a:rPr lang="ru-RU" sz="1600" b="0" i="1" smtClean="0">
-                            <a:effectLst/>
-                            <a:latin typeface="Cambria Math" panose="02040503050406030204" pitchFamily="18" charset="0"/>
-                          </a:rPr>
-                          <m:t>2</m:t>
-                        </m:r>
-                      </m:sup>
-                    </m:sSup>
-                  </m:oMath>
-                </a14:m>
-                <a:r>
-                  <a:rPr lang="ru-RU" sz="1600" dirty="0">
-                    <a:effectLst/>
-                    <a:latin typeface="CenturyGothic"/>
-                  </a:rPr>
-                  <a:t> </a:t>
-                </a:r>
-                <a:r>
-                  <a:rPr lang="ru-RU" sz="1600" dirty="0">
-                    <a:latin typeface="CenturyGothic"/>
-                  </a:rPr>
-                  <a:t>д</a:t>
-                </a:r>
-                <a:r>
-                  <a:rPr lang="ru-RU" sz="1600" dirty="0">
-                    <a:effectLst/>
-                    <a:latin typeface="CenturyGothic"/>
-                  </a:rPr>
-                  <a:t>ает возможность оценить степень согласован­ности теоретического и статистического распределений,</a:t>
-                </a:r>
-              </a:p>
-              <a:p>
-                <a:r>
-                  <a:rPr lang="ru-RU" sz="1600" dirty="0">
-                    <a:effectLst/>
-                    <a:latin typeface="CenturyGothic"/>
-                  </a:rPr>
-                  <a:t>Будем исхо­дить из того, что величина </a:t>
-                </a:r>
-                <a:r>
-                  <a:rPr lang="en" sz="1600" b="1" i="1" dirty="0">
-                    <a:effectLst/>
-                    <a:latin typeface="CenturyGothic"/>
-                  </a:rPr>
-                  <a:t>X </a:t>
-                </a:r>
-                <a:r>
-                  <a:rPr lang="ru-RU" sz="1600" dirty="0">
-                    <a:effectLst/>
-                    <a:latin typeface="CenturyGothic"/>
-                  </a:rPr>
-                  <a:t>действительно распределена по закону </a:t>
-                </a:r>
-                <a:r>
-                  <a:rPr lang="en" sz="1600" b="1" i="1" dirty="0">
-                    <a:effectLst/>
-                    <a:latin typeface="CenturyGothic"/>
-                  </a:rPr>
-                  <a:t>F (</a:t>
-                </a:r>
-                <a:r>
-                  <a:rPr lang="ru-RU" sz="1600" b="1" i="1" dirty="0">
-                    <a:effectLst/>
-                    <a:latin typeface="CenturyGothic"/>
-                  </a:rPr>
-                  <a:t>х). </a:t>
-                </a:r>
-              </a:p>
-              <a:p>
-                <a:r>
-                  <a:rPr lang="ru-RU" sz="1600" dirty="0">
-                    <a:effectLst/>
-                    <a:latin typeface="CenturyGothic"/>
-                  </a:rPr>
-                  <a:t>Тогда вероятность </a:t>
-                </a:r>
-                <a:r>
-                  <a:rPr lang="ru-RU" sz="1600" b="1" i="1" dirty="0">
-                    <a:effectLst/>
-                    <a:latin typeface="CenturyGothic"/>
-                  </a:rPr>
-                  <a:t>р (</a:t>
-                </a:r>
-                <a:r>
-                  <a:rPr lang="en" sz="1600" b="1" i="1" dirty="0">
-                    <a:effectLst/>
-                    <a:latin typeface="CenturyGothic"/>
-                  </a:rPr>
-                  <a:t>p-value</a:t>
-                </a:r>
-                <a:r>
-                  <a:rPr lang="ru-RU" sz="1600" b="1" i="1" dirty="0">
-                    <a:effectLst/>
-                    <a:latin typeface="CenturyGothic"/>
-                  </a:rPr>
-                  <a:t>)</a:t>
-                </a:r>
-                <a:r>
-                  <a:rPr lang="ru-RU" sz="1600" dirty="0">
-                    <a:effectLst/>
-                    <a:latin typeface="CenturyGothic"/>
-                  </a:rPr>
-                  <a:t>, есть вероятность того, что за счет чисто случайных причин мера расхож­дения теоретического и статистического распределений будет не меньше, чем фактически наблюденное в данной серии опытов значение </a:t>
-                </a:r>
-                <a14:m>
-                  <m:oMath xmlns:m="http://schemas.openxmlformats.org/officeDocument/2006/math">
-                    <m:sSup>
-                      <m:sSupPr>
-                        <m:ctrlPr>
-                          <a:rPr lang="ru-RU" sz="1600" i="1" smtClean="0">
-                            <a:effectLst/>
-                            <a:latin typeface="Cambria Math" panose="02040503050406030204" pitchFamily="18" charset="0"/>
-                          </a:rPr>
-                        </m:ctrlPr>
-                      </m:sSupPr>
-                      <m:e>
-                        <m:r>
-                          <a:rPr lang="ru-RU" sz="1600" i="1" smtClean="0">
-                            <a:effectLst/>
-                            <a:latin typeface="Cambria Math" panose="02040503050406030204" pitchFamily="18" charset="0"/>
-                            <a:ea typeface="Cambria Math" panose="02040503050406030204" pitchFamily="18" charset="0"/>
-                          </a:rPr>
-                          <m:t>𝜒</m:t>
-                        </m:r>
-                      </m:e>
-                      <m:sup>
-                        <m:r>
-                          <a:rPr lang="ru-RU" sz="1600" b="0" i="1" smtClean="0">
-                            <a:effectLst/>
-                            <a:latin typeface="Cambria Math" panose="02040503050406030204" pitchFamily="18" charset="0"/>
-                          </a:rPr>
-                          <m:t>2</m:t>
-                        </m:r>
-                      </m:sup>
-                    </m:sSup>
-                  </m:oMath>
-                </a14:m>
-                <a:r>
-                  <a:rPr lang="ru-RU" sz="1600" dirty="0">
-                    <a:effectLst/>
-                    <a:latin typeface="CenturyGothic"/>
-                  </a:rPr>
-                  <a:t>. </a:t>
-                </a:r>
-              </a:p>
-              <a:p>
-                <a:r>
-                  <a:rPr lang="ru-RU" sz="1600" dirty="0">
-                    <a:effectLst/>
-                    <a:latin typeface="CenturyGothic"/>
-                  </a:rPr>
-                  <a:t>Если эта вероятность</a:t>
-                </a:r>
-                <a:r>
-                  <a:rPr lang="ru-RU" sz="1600" b="1" i="1" dirty="0">
-                    <a:effectLst/>
-                    <a:latin typeface="CenturyGothic"/>
-                  </a:rPr>
-                  <a:t>, р </a:t>
-                </a:r>
-                <a:r>
-                  <a:rPr lang="ru-RU" sz="1600" dirty="0">
-                    <a:effectLst/>
-                    <a:latin typeface="CenturyGothic"/>
-                  </a:rPr>
-                  <a:t>весьма мала (настолько мала, что событие с такой вероятностью можно считать практически невозможным), то результат опыта следует считать противоречащим гипотезе </a:t>
-                </a:r>
-                <a:r>
-                  <a:rPr lang="ru-RU" sz="1600" b="1" i="1" dirty="0">
-                    <a:effectLst/>
-                    <a:latin typeface="CenturyGothic"/>
-                  </a:rPr>
-                  <a:t>Н </a:t>
-                </a:r>
-                <a:r>
-                  <a:rPr lang="ru-RU" sz="1600" dirty="0">
-                    <a:latin typeface="CenturyGothic"/>
-                  </a:rPr>
-                  <a:t>о</a:t>
-                </a:r>
-                <a:r>
-                  <a:rPr lang="ru-RU" sz="1600" dirty="0">
-                    <a:effectLst/>
-                    <a:latin typeface="CenturyGothic"/>
-                  </a:rPr>
-                  <a:t> том, что закон распределения величины </a:t>
-                </a:r>
-                <a:r>
-                  <a:rPr lang="en" sz="1600" b="1" i="1" dirty="0">
-                    <a:effectLst/>
-                    <a:latin typeface="CenturyGothic"/>
-                  </a:rPr>
-                  <a:t>X </a:t>
-                </a:r>
-                <a:r>
-                  <a:rPr lang="ru-RU" sz="1600" dirty="0">
-                    <a:effectLst/>
-                    <a:latin typeface="CenturyGothic"/>
-                  </a:rPr>
-                  <a:t>есть </a:t>
-                </a:r>
-                <a:r>
-                  <a:rPr lang="en" sz="1600" b="1" i="1" dirty="0">
-                    <a:effectLst/>
-                    <a:latin typeface="CenturyGothic"/>
-                  </a:rPr>
-                  <a:t>F ( x ) . </a:t>
-                </a:r>
-                <a:endParaRPr lang="ru-RU" sz="1600" b="1" i="1" dirty="0">
-                  <a:effectLst/>
-                  <a:latin typeface="CenturyGothic"/>
-                </a:endParaRPr>
-              </a:p>
-              <a:p>
-                <a:r>
-                  <a:rPr lang="ru-RU" sz="1600" dirty="0">
-                    <a:effectLst/>
-                    <a:latin typeface="CenturyGothic"/>
-                  </a:rPr>
-                  <a:t>Эту гипотезу следует отбросить как неправдоподобную. Напротив, если вероятность </a:t>
-                </a:r>
-                <a:r>
-                  <a:rPr lang="ru-RU" sz="1600" b="1" i="1" dirty="0">
-                    <a:effectLst/>
-                    <a:latin typeface="CenturyGothic"/>
-                  </a:rPr>
-                  <a:t>р </a:t>
-                </a:r>
-                <a:r>
-                  <a:rPr lang="ru-RU" sz="1600" dirty="0">
-                    <a:effectLst/>
-                    <a:latin typeface="CenturyGothic"/>
-                  </a:rPr>
-                  <a:t>сравнительно велика, можно признать расхождения меж­ду теоретическим и статистическим распределениями несущественными и отнести их за счет случайных причин. Гипотезу </a:t>
-                </a:r>
-                <a:r>
-                  <a:rPr lang="en-US" sz="1600" b="1" i="1" dirty="0">
-                    <a:effectLst/>
-                    <a:latin typeface="CenturyGothic"/>
-                  </a:rPr>
-                  <a:t>H</a:t>
-                </a:r>
-                <a:r>
-                  <a:rPr lang="ru-RU" sz="1600" b="1" i="1" dirty="0">
-                    <a:effectLst/>
-                    <a:latin typeface="CenturyGothic"/>
-                  </a:rPr>
-                  <a:t> </a:t>
-                </a:r>
-                <a:r>
-                  <a:rPr lang="ru-RU" sz="1600" dirty="0">
-                    <a:effectLst/>
-                    <a:latin typeface="CenturyGothic"/>
-                  </a:rPr>
-                  <a:t>о том, что величина </a:t>
-                </a:r>
-                <a:r>
-                  <a:rPr lang="en" sz="1600" b="1" i="1" dirty="0">
-                    <a:effectLst/>
-                    <a:latin typeface="CenturyGothic"/>
-                  </a:rPr>
-                  <a:t>X </a:t>
-                </a:r>
-                <a:r>
-                  <a:rPr lang="ru-RU" sz="1600" dirty="0">
-                    <a:effectLst/>
-                    <a:latin typeface="CenturyGothic"/>
-                  </a:rPr>
-                  <a:t>распределена по закону </a:t>
-                </a:r>
-                <a:r>
-                  <a:rPr lang="en" sz="1600" b="1" i="1" dirty="0">
-                    <a:effectLst/>
-                    <a:latin typeface="CenturyGothic"/>
-                  </a:rPr>
-                  <a:t>F </a:t>
-                </a:r>
-                <a:r>
-                  <a:rPr lang="en" sz="1600" dirty="0">
-                    <a:effectLst/>
-                    <a:latin typeface="CenturyGothic"/>
-                  </a:rPr>
-                  <a:t>(</a:t>
-                </a:r>
-                <a:r>
-                  <a:rPr lang="ru-RU" sz="1600" dirty="0">
-                    <a:effectLst/>
-                    <a:latin typeface="CenturyGothic"/>
-                  </a:rPr>
-                  <a:t>х), можно считать правдо­подобной или, по крайней мере, не противоречащей опытным данным. </a:t>
-                </a:r>
-                <a:endParaRPr lang="en-US" sz="1600" dirty="0">
-                  <a:effectLst/>
-                  <a:latin typeface="CenturyGothic"/>
-                </a:endParaRPr>
-              </a:p>
-              <a:p>
-                <a:endParaRPr lang="ru-RU" sz="2400" dirty="0"/>
-              </a:p>
-              <a:p>
-                <a:pPr marL="38100" indent="0">
-                  <a:buNone/>
-                </a:pPr>
-                <a:endParaRPr lang="ru-RU" sz="2400" dirty="0"/>
-              </a:p>
-              <a:p>
-                <a:pPr marL="38100" indent="0">
-                  <a:buNone/>
-                </a:pPr>
-                <a:endParaRPr lang="ru-RU" sz="2400" dirty="0"/>
-              </a:p>
-            </p:txBody>
-          </p:sp>
-        </mc:Choice>
-        <mc:Fallback>
-          <p:sp>
-            <p:nvSpPr>
-              <p:cNvPr id="3" name="Текст 2">
-                <a:extLst>
-                  <a:ext uri="{FF2B5EF4-FFF2-40B4-BE49-F238E27FC236}">
-                    <a16:creationId xmlns:a16="http://schemas.microsoft.com/office/drawing/2014/main" id="{67E3598E-A5A7-4748-ADA9-9C058CD9D8D0}"/>
-                  </a:ext>
-                </a:extLst>
-              </p:cNvPr>
-              <p:cNvSpPr>
-                <a:spLocks noGrp="1" noRot="1" noChangeAspect="1" noMove="1" noResize="1" noEditPoints="1" noAdjustHandles="1" noChangeArrowheads="1" noChangeShapeType="1" noTextEdit="1"/>
-              </p:cNvSpPr>
-              <p:nvPr>
-                <p:ph type="body" idx="1"/>
-              </p:nvPr>
-            </p:nvSpPr>
-            <p:spPr>
-              <a:xfrm>
-                <a:off x="457200" y="1722474"/>
-                <a:ext cx="8229600" cy="4914226"/>
-              </a:xfrm>
-              <a:blipFill>
-                <a:blip r:embed="rId2"/>
-                <a:stretch>
-                  <a:fillRect l="-1235" t="-2320" r="-926"/>
-                </a:stretch>
-              </a:blipFill>
-            </p:spPr>
-            <p:txBody>
-              <a:bodyPr/>
-              <a:lstStyle/>
-              <a:p>
-                <a:r>
-                  <a:rPr lang="ru-RU">
-                    <a:noFill/>
-                  </a:rPr>
-                  <a:t> </a:t>
-                </a:r>
-              </a:p>
-            </p:txBody>
-          </p:sp>
-        </mc:Fallback>
-      </mc:AlternateContent>
-    </p:spTree>
-    <p:extLst>
-      <p:ext uri="{BB962C8B-B14F-4D97-AF65-F5344CB8AC3E}">
-        <p14:creationId xmlns:p14="http://schemas.microsoft.com/office/powerpoint/2010/main" val="661567916"/>
       </p:ext>
     </p:extLst>
   </p:cSld>
@@ -15570,6 +16086,490 @@
 </file>
 
 <file path=ppt/slides/slide40.xml><?xml version="1.0" encoding="utf-8"?>
+<p:sld xmlns:a="http://schemas.openxmlformats.org/drawingml/2006/main" xmlns:r="http://schemas.openxmlformats.org/officeDocument/2006/relationships" xmlns:p="http://schemas.openxmlformats.org/presentationml/2006/main">
+  <p:cSld>
+    <p:spTree>
+      <p:nvGrpSpPr>
+        <p:cNvPr id="1" name=""/>
+        <p:cNvGrpSpPr/>
+        <p:nvPr/>
+      </p:nvGrpSpPr>
+      <p:grpSpPr>
+        <a:xfrm>
+          <a:off x="0" y="0"/>
+          <a:ext cx="0" cy="0"/>
+          <a:chOff x="0" y="0"/>
+          <a:chExt cx="0" cy="0"/>
+        </a:xfrm>
+      </p:grpSpPr>
+      <p:sp>
+        <p:nvSpPr>
+          <p:cNvPr id="2" name="Заголовок 1">
+            <a:extLst>
+              <a:ext uri="{FF2B5EF4-FFF2-40B4-BE49-F238E27FC236}">
+                <a16:creationId xmlns:a16="http://schemas.microsoft.com/office/drawing/2014/main" id="{32AA76DA-A831-5748-A8A5-17F7583A4D3C}"/>
+              </a:ext>
+            </a:extLst>
+          </p:cNvPr>
+          <p:cNvSpPr>
+            <a:spLocks noGrp="1"/>
+          </p:cNvSpPr>
+          <p:nvPr>
+            <p:ph type="title"/>
+          </p:nvPr>
+        </p:nvSpPr>
+        <p:spPr>
+          <a:xfrm>
+            <a:off x="457200" y="657409"/>
+            <a:ext cx="8229600" cy="533437"/>
+          </a:xfrm>
+        </p:spPr>
+        <p:txBody>
+          <a:bodyPr/>
+          <a:lstStyle/>
+          <a:p>
+            <a:r>
+              <a:rPr lang="ru-RU" dirty="0"/>
+              <a:t>Смысл </a:t>
+            </a:r>
+            <a:r>
+              <a:rPr lang="en-US" dirty="0"/>
+              <a:t>p-value</a:t>
+            </a:r>
+            <a:endParaRPr lang="ru-RU" dirty="0"/>
+          </a:p>
+        </p:txBody>
+      </p:sp>
+      <mc:AlternateContent xmlns:mc="http://schemas.openxmlformats.org/markup-compatibility/2006" xmlns:a14="http://schemas.microsoft.com/office/drawing/2010/main">
+        <mc:Choice Requires="a14">
+          <p:sp>
+            <p:nvSpPr>
+              <p:cNvPr id="3" name="Текст 2">
+                <a:extLst>
+                  <a:ext uri="{FF2B5EF4-FFF2-40B4-BE49-F238E27FC236}">
+                    <a16:creationId xmlns:a16="http://schemas.microsoft.com/office/drawing/2014/main" id="{67E3598E-A5A7-4748-ADA9-9C058CD9D8D0}"/>
+                  </a:ext>
+                </a:extLst>
+              </p:cNvPr>
+              <p:cNvSpPr>
+                <a:spLocks noGrp="1"/>
+              </p:cNvSpPr>
+              <p:nvPr>
+                <p:ph type="body" idx="1"/>
+              </p:nvPr>
+            </p:nvSpPr>
+            <p:spPr>
+              <a:xfrm>
+                <a:off x="457200" y="1722474"/>
+                <a:ext cx="8229600" cy="4914226"/>
+              </a:xfrm>
+            </p:spPr>
+            <p:txBody>
+              <a:bodyPr/>
+              <a:lstStyle/>
+              <a:p>
+                <a:r>
+                  <a:rPr lang="ru-RU" sz="1600" dirty="0">
+                    <a:effectLst/>
+                    <a:latin typeface="CenturyGothic"/>
+                  </a:rPr>
+                  <a:t>Распределение </a:t>
+                </a:r>
+                <a14:m>
+                  <m:oMath xmlns:m="http://schemas.openxmlformats.org/officeDocument/2006/math">
+                    <m:sSup>
+                      <m:sSupPr>
+                        <m:ctrlPr>
+                          <a:rPr lang="ru-RU" sz="1600" i="1" smtClean="0">
+                            <a:effectLst/>
+                            <a:latin typeface="Cambria Math" panose="02040503050406030204" pitchFamily="18" charset="0"/>
+                          </a:rPr>
+                        </m:ctrlPr>
+                      </m:sSupPr>
+                      <m:e>
+                        <m:r>
+                          <a:rPr lang="ru-RU" sz="1600" i="1" smtClean="0">
+                            <a:effectLst/>
+                            <a:latin typeface="Cambria Math" panose="02040503050406030204" pitchFamily="18" charset="0"/>
+                            <a:ea typeface="Cambria Math" panose="02040503050406030204" pitchFamily="18" charset="0"/>
+                          </a:rPr>
+                          <m:t>𝜒</m:t>
+                        </m:r>
+                      </m:e>
+                      <m:sup>
+                        <m:r>
+                          <a:rPr lang="ru-RU" sz="1600" b="0" i="1" smtClean="0">
+                            <a:effectLst/>
+                            <a:latin typeface="Cambria Math" panose="02040503050406030204" pitchFamily="18" charset="0"/>
+                          </a:rPr>
+                          <m:t>2</m:t>
+                        </m:r>
+                      </m:sup>
+                    </m:sSup>
+                  </m:oMath>
+                </a14:m>
+                <a:r>
+                  <a:rPr lang="ru-RU" sz="1600" dirty="0">
+                    <a:effectLst/>
+                    <a:latin typeface="CenturyGothic"/>
+                  </a:rPr>
+                  <a:t> </a:t>
+                </a:r>
+                <a:r>
+                  <a:rPr lang="ru-RU" sz="1600" dirty="0">
+                    <a:latin typeface="CenturyGothic"/>
+                  </a:rPr>
+                  <a:t>д</a:t>
+                </a:r>
+                <a:r>
+                  <a:rPr lang="ru-RU" sz="1600" dirty="0">
+                    <a:effectLst/>
+                    <a:latin typeface="CenturyGothic"/>
+                  </a:rPr>
+                  <a:t>ает возможность оценить степень согласован­ности теоретического и статистического распределений,</a:t>
+                </a:r>
+              </a:p>
+              <a:p>
+                <a:r>
+                  <a:rPr lang="ru-RU" sz="1600" dirty="0">
+                    <a:effectLst/>
+                    <a:latin typeface="CenturyGothic"/>
+                  </a:rPr>
+                  <a:t>Будем исхо­дить из того, что величина </a:t>
+                </a:r>
+                <a:r>
+                  <a:rPr lang="en" sz="1600" b="1" i="1" dirty="0">
+                    <a:effectLst/>
+                    <a:latin typeface="CenturyGothic"/>
+                  </a:rPr>
+                  <a:t>X </a:t>
+                </a:r>
+                <a:r>
+                  <a:rPr lang="ru-RU" sz="1600" dirty="0">
+                    <a:effectLst/>
+                    <a:latin typeface="CenturyGothic"/>
+                  </a:rPr>
+                  <a:t>действительно распределена по закону </a:t>
+                </a:r>
+                <a:r>
+                  <a:rPr lang="en" sz="1600" b="1" i="1" dirty="0">
+                    <a:effectLst/>
+                    <a:latin typeface="CenturyGothic"/>
+                  </a:rPr>
+                  <a:t>F (</a:t>
+                </a:r>
+                <a:r>
+                  <a:rPr lang="ru-RU" sz="1600" b="1" i="1" dirty="0">
+                    <a:effectLst/>
+                    <a:latin typeface="CenturyGothic"/>
+                  </a:rPr>
+                  <a:t>х). </a:t>
+                </a:r>
+              </a:p>
+              <a:p>
+                <a:r>
+                  <a:rPr lang="ru-RU" sz="1600" dirty="0">
+                    <a:effectLst/>
+                    <a:latin typeface="CenturyGothic"/>
+                  </a:rPr>
+                  <a:t>Тогда вероятность </a:t>
+                </a:r>
+                <a:r>
+                  <a:rPr lang="ru-RU" sz="1600" b="1" i="1" dirty="0">
+                    <a:effectLst/>
+                    <a:latin typeface="CenturyGothic"/>
+                  </a:rPr>
+                  <a:t>р (</a:t>
+                </a:r>
+                <a:r>
+                  <a:rPr lang="en" sz="1600" b="1" i="1" dirty="0">
+                    <a:effectLst/>
+                    <a:latin typeface="CenturyGothic"/>
+                  </a:rPr>
+                  <a:t>p-value</a:t>
+                </a:r>
+                <a:r>
+                  <a:rPr lang="ru-RU" sz="1600" b="1" i="1" dirty="0">
+                    <a:effectLst/>
+                    <a:latin typeface="CenturyGothic"/>
+                  </a:rPr>
+                  <a:t>)</a:t>
+                </a:r>
+                <a:r>
+                  <a:rPr lang="ru-RU" sz="1600" dirty="0">
+                    <a:effectLst/>
+                    <a:latin typeface="CenturyGothic"/>
+                  </a:rPr>
+                  <a:t>, есть вероятность того, что за счет чисто случайных причин мера расхож­дения теоретического и статистического распределений будет не меньше, чем фактически наблюденное в данной серии опытов значение </a:t>
+                </a:r>
+                <a14:m>
+                  <m:oMath xmlns:m="http://schemas.openxmlformats.org/officeDocument/2006/math">
+                    <m:sSup>
+                      <m:sSupPr>
+                        <m:ctrlPr>
+                          <a:rPr lang="ru-RU" sz="1600" i="1" smtClean="0">
+                            <a:effectLst/>
+                            <a:latin typeface="Cambria Math" panose="02040503050406030204" pitchFamily="18" charset="0"/>
+                          </a:rPr>
+                        </m:ctrlPr>
+                      </m:sSupPr>
+                      <m:e>
+                        <m:r>
+                          <a:rPr lang="ru-RU" sz="1600" i="1" smtClean="0">
+                            <a:effectLst/>
+                            <a:latin typeface="Cambria Math" panose="02040503050406030204" pitchFamily="18" charset="0"/>
+                            <a:ea typeface="Cambria Math" panose="02040503050406030204" pitchFamily="18" charset="0"/>
+                          </a:rPr>
+                          <m:t>𝜒</m:t>
+                        </m:r>
+                      </m:e>
+                      <m:sup>
+                        <m:r>
+                          <a:rPr lang="ru-RU" sz="1600" b="0" i="1" smtClean="0">
+                            <a:effectLst/>
+                            <a:latin typeface="Cambria Math" panose="02040503050406030204" pitchFamily="18" charset="0"/>
+                          </a:rPr>
+                          <m:t>2</m:t>
+                        </m:r>
+                      </m:sup>
+                    </m:sSup>
+                  </m:oMath>
+                </a14:m>
+                <a:r>
+                  <a:rPr lang="ru-RU" sz="1600" dirty="0">
+                    <a:effectLst/>
+                    <a:latin typeface="CenturyGothic"/>
+                  </a:rPr>
+                  <a:t>. </a:t>
+                </a:r>
+              </a:p>
+              <a:p>
+                <a:r>
+                  <a:rPr lang="ru-RU" sz="1600" dirty="0">
+                    <a:effectLst/>
+                    <a:latin typeface="CenturyGothic"/>
+                  </a:rPr>
+                  <a:t>Если эта вероятность</a:t>
+                </a:r>
+                <a:r>
+                  <a:rPr lang="ru-RU" sz="1600" b="1" i="1" dirty="0">
+                    <a:effectLst/>
+                    <a:latin typeface="CenturyGothic"/>
+                  </a:rPr>
+                  <a:t>, р </a:t>
+                </a:r>
+                <a:r>
+                  <a:rPr lang="ru-RU" sz="1600" dirty="0">
+                    <a:effectLst/>
+                    <a:latin typeface="CenturyGothic"/>
+                  </a:rPr>
+                  <a:t>весьма мала (настолько мала, что событие с такой вероятностью можно считать практически невозможным), то результат опыта следует считать противоречащим гипотезе </a:t>
+                </a:r>
+                <a:r>
+                  <a:rPr lang="ru-RU" sz="1600" b="1" i="1" dirty="0">
+                    <a:effectLst/>
+                    <a:latin typeface="CenturyGothic"/>
+                  </a:rPr>
+                  <a:t>Н </a:t>
+                </a:r>
+                <a:r>
+                  <a:rPr lang="ru-RU" sz="1600" dirty="0">
+                    <a:latin typeface="CenturyGothic"/>
+                  </a:rPr>
+                  <a:t>о</a:t>
+                </a:r>
+                <a:r>
+                  <a:rPr lang="ru-RU" sz="1600" dirty="0">
+                    <a:effectLst/>
+                    <a:latin typeface="CenturyGothic"/>
+                  </a:rPr>
+                  <a:t> том, что закон распределения величины </a:t>
+                </a:r>
+                <a:r>
+                  <a:rPr lang="en" sz="1600" b="1" i="1" dirty="0">
+                    <a:effectLst/>
+                    <a:latin typeface="CenturyGothic"/>
+                  </a:rPr>
+                  <a:t>X </a:t>
+                </a:r>
+                <a:r>
+                  <a:rPr lang="ru-RU" sz="1600" dirty="0">
+                    <a:effectLst/>
+                    <a:latin typeface="CenturyGothic"/>
+                  </a:rPr>
+                  <a:t>есть </a:t>
+                </a:r>
+                <a:r>
+                  <a:rPr lang="en" sz="1600" b="1" i="1" dirty="0">
+                    <a:effectLst/>
+                    <a:latin typeface="CenturyGothic"/>
+                  </a:rPr>
+                  <a:t>F ( x ) . </a:t>
+                </a:r>
+                <a:endParaRPr lang="ru-RU" sz="1600" b="1" i="1" dirty="0">
+                  <a:effectLst/>
+                  <a:latin typeface="CenturyGothic"/>
+                </a:endParaRPr>
+              </a:p>
+              <a:p>
+                <a:r>
+                  <a:rPr lang="ru-RU" sz="1600" dirty="0">
+                    <a:effectLst/>
+                    <a:latin typeface="CenturyGothic"/>
+                  </a:rPr>
+                  <a:t>Эту гипотезу следует отбросить как неправдоподобную. Напротив, если вероятность </a:t>
+                </a:r>
+                <a:r>
+                  <a:rPr lang="ru-RU" sz="1600" b="1" i="1" dirty="0">
+                    <a:effectLst/>
+                    <a:latin typeface="CenturyGothic"/>
+                  </a:rPr>
+                  <a:t>р </a:t>
+                </a:r>
+                <a:r>
+                  <a:rPr lang="ru-RU" sz="1600" dirty="0">
+                    <a:effectLst/>
+                    <a:latin typeface="CenturyGothic"/>
+                  </a:rPr>
+                  <a:t>сравнительно велика, можно признать расхождения меж­ду теоретическим и статистическим распределениями несущественными и отнести их за счет случайных причин. Гипотезу </a:t>
+                </a:r>
+                <a:r>
+                  <a:rPr lang="en-US" sz="1600" b="1" i="1" dirty="0">
+                    <a:effectLst/>
+                    <a:latin typeface="CenturyGothic"/>
+                  </a:rPr>
+                  <a:t>H</a:t>
+                </a:r>
+                <a:r>
+                  <a:rPr lang="ru-RU" sz="1600" b="1" i="1" dirty="0">
+                    <a:effectLst/>
+                    <a:latin typeface="CenturyGothic"/>
+                  </a:rPr>
+                  <a:t> </a:t>
+                </a:r>
+                <a:r>
+                  <a:rPr lang="ru-RU" sz="1600" dirty="0">
+                    <a:effectLst/>
+                    <a:latin typeface="CenturyGothic"/>
+                  </a:rPr>
+                  <a:t>о том, что величина </a:t>
+                </a:r>
+                <a:r>
+                  <a:rPr lang="en" sz="1600" b="1" i="1" dirty="0">
+                    <a:effectLst/>
+                    <a:latin typeface="CenturyGothic"/>
+                  </a:rPr>
+                  <a:t>X </a:t>
+                </a:r>
+                <a:r>
+                  <a:rPr lang="ru-RU" sz="1600" dirty="0">
+                    <a:effectLst/>
+                    <a:latin typeface="CenturyGothic"/>
+                  </a:rPr>
+                  <a:t>распределена по закону </a:t>
+                </a:r>
+                <a:r>
+                  <a:rPr lang="en" sz="1600" b="1" i="1" dirty="0">
+                    <a:effectLst/>
+                    <a:latin typeface="CenturyGothic"/>
+                  </a:rPr>
+                  <a:t>F </a:t>
+                </a:r>
+                <a:r>
+                  <a:rPr lang="en" sz="1600" dirty="0">
+                    <a:effectLst/>
+                    <a:latin typeface="CenturyGothic"/>
+                  </a:rPr>
+                  <a:t>(</a:t>
+                </a:r>
+                <a:r>
+                  <a:rPr lang="ru-RU" sz="1600" dirty="0">
+                    <a:effectLst/>
+                    <a:latin typeface="CenturyGothic"/>
+                  </a:rPr>
+                  <a:t>х), можно считать правдо­подобной или, по крайней мере, не противоречащей опытным данным. </a:t>
+                </a:r>
+                <a:endParaRPr lang="en-US" sz="1600" dirty="0">
+                  <a:effectLst/>
+                  <a:latin typeface="CenturyGothic"/>
+                </a:endParaRPr>
+              </a:p>
+              <a:p>
+                <a:endParaRPr lang="ru-RU" sz="2400" dirty="0"/>
+              </a:p>
+              <a:p>
+                <a:pPr marL="38100" indent="0">
+                  <a:buNone/>
+                </a:pPr>
+                <a:endParaRPr lang="ru-RU" sz="2400" dirty="0"/>
+              </a:p>
+              <a:p>
+                <a:pPr marL="38100" indent="0">
+                  <a:buNone/>
+                </a:pPr>
+                <a:endParaRPr lang="ru-RU" sz="2400" dirty="0"/>
+              </a:p>
+            </p:txBody>
+          </p:sp>
+        </mc:Choice>
+        <mc:Fallback xmlns="">
+          <p:sp>
+            <p:nvSpPr>
+              <p:cNvPr id="3" name="Текст 2">
+                <a:extLst>
+                  <a:ext uri="{FF2B5EF4-FFF2-40B4-BE49-F238E27FC236}">
+                    <a16:creationId xmlns:a16="http://schemas.microsoft.com/office/drawing/2014/main" id="{67E3598E-A5A7-4748-ADA9-9C058CD9D8D0}"/>
+                  </a:ext>
+                </a:extLst>
+              </p:cNvPr>
+              <p:cNvSpPr>
+                <a:spLocks noGrp="1" noRot="1" noChangeAspect="1" noMove="1" noResize="1" noEditPoints="1" noAdjustHandles="1" noChangeArrowheads="1" noChangeShapeType="1" noTextEdit="1"/>
+              </p:cNvSpPr>
+              <p:nvPr>
+                <p:ph type="body" idx="1"/>
+              </p:nvPr>
+            </p:nvSpPr>
+            <p:spPr>
+              <a:xfrm>
+                <a:off x="457200" y="1722474"/>
+                <a:ext cx="8229600" cy="4914226"/>
+              </a:xfrm>
+              <a:blipFill>
+                <a:blip r:embed="rId2"/>
+                <a:stretch>
+                  <a:fillRect l="-1235" t="-2320" r="-926"/>
+                </a:stretch>
+              </a:blipFill>
+            </p:spPr>
+            <p:txBody>
+              <a:bodyPr/>
+              <a:lstStyle/>
+              <a:p>
+                <a:r>
+                  <a:rPr lang="ru-RU">
+                    <a:noFill/>
+                  </a:rPr>
+                  <a:t> </a:t>
+                </a:r>
+              </a:p>
+            </p:txBody>
+          </p:sp>
+        </mc:Fallback>
+      </mc:AlternateContent>
+    </p:spTree>
+    <p:extLst>
+      <p:ext uri="{BB962C8B-B14F-4D97-AF65-F5344CB8AC3E}">
+        <p14:creationId xmlns:p14="http://schemas.microsoft.com/office/powerpoint/2010/main" val="661567916"/>
+      </p:ext>
+    </p:extLst>
+  </p:cSld>
+  <p:clrMapOvr>
+    <a:masterClrMapping/>
+  </p:clrMapOvr>
+</p:sld>
+</file>
+
+<file path=ppt/slides/slide41.xml><?xml version="1.0" encoding="utf-8"?>
 <p:sld xmlns:a="http://schemas.openxmlformats.org/drawingml/2006/main" xmlns:r="http://schemas.openxmlformats.org/officeDocument/2006/relationships" xmlns:p="http://schemas.openxmlformats.org/presentationml/2006/main">
   <p:cSld>
     <p:spTree>
@@ -15684,7 +16684,7 @@
 </p:sld>
 </file>
 
-<file path=ppt/slides/slide41.xml><?xml version="1.0" encoding="utf-8"?>
+<file path=ppt/slides/slide42.xml><?xml version="1.0" encoding="utf-8"?>
 <p:sld xmlns:a="http://schemas.openxmlformats.org/drawingml/2006/main" xmlns:r="http://schemas.openxmlformats.org/officeDocument/2006/relationships" xmlns:p="http://schemas.openxmlformats.org/presentationml/2006/main">
   <p:cSld>
     <p:spTree>
@@ -15734,8 +16734,8 @@
           </a:p>
         </p:txBody>
       </p:sp>
-      <mc:AlternateContent xmlns:mc="http://schemas.openxmlformats.org/markup-compatibility/2006">
-        <mc:Choice xmlns:a14="http://schemas.microsoft.com/office/drawing/2010/main" Requires="a14">
+      <mc:AlternateContent xmlns:mc="http://schemas.openxmlformats.org/markup-compatibility/2006" xmlns:a14="http://schemas.microsoft.com/office/drawing/2010/main">
+        <mc:Choice Requires="a14">
           <p:sp>
             <p:nvSpPr>
               <p:cNvPr id="3" name="Текст 2">
@@ -15945,7 +16945,7 @@
             </p:txBody>
           </p:sp>
         </mc:Choice>
-        <mc:Fallback>
+        <mc:Fallback xmlns="">
           <p:sp>
             <p:nvSpPr>
               <p:cNvPr id="3" name="Текст 2">
@@ -15998,7 +16998,7 @@
 </p:sld>
 </file>
 
-<file path=ppt/slides/slide42.xml><?xml version="1.0" encoding="utf-8"?>
+<file path=ppt/slides/slide43.xml><?xml version="1.0" encoding="utf-8"?>
 <p:sld xmlns:a="http://schemas.openxmlformats.org/drawingml/2006/main" xmlns:r="http://schemas.openxmlformats.org/officeDocument/2006/relationships" xmlns:p="http://schemas.openxmlformats.org/presentationml/2006/main">
   <p:cSld>
     <p:spTree>
@@ -16043,8 +17043,8 @@
           </a:p>
         </p:txBody>
       </p:sp>
-      <mc:AlternateContent xmlns:mc="http://schemas.openxmlformats.org/markup-compatibility/2006">
-        <mc:Choice xmlns:a14="http://schemas.microsoft.com/office/drawing/2010/main" Requires="a14">
+      <mc:AlternateContent xmlns:mc="http://schemas.openxmlformats.org/markup-compatibility/2006" xmlns:a14="http://schemas.microsoft.com/office/drawing/2010/main">
+        <mc:Choice Requires="a14">
           <p:sp>
             <p:nvSpPr>
               <p:cNvPr id="3" name="Текст 2">
@@ -16411,7 +17411,7 @@
             </p:txBody>
           </p:sp>
         </mc:Choice>
-        <mc:Fallback>
+        <mc:Fallback xmlns="">
           <p:sp>
             <p:nvSpPr>
               <p:cNvPr id="3" name="Текст 2">
@@ -16485,8 +17485,8 @@
           </a:prstGeom>
         </p:spPr>
       </p:pic>
-      <mc:AlternateContent xmlns:mc="http://schemas.openxmlformats.org/markup-compatibility/2006">
-        <mc:Choice xmlns:a14="http://schemas.microsoft.com/office/drawing/2010/main" Requires="a14">
+      <mc:AlternateContent xmlns:mc="http://schemas.openxmlformats.org/markup-compatibility/2006" xmlns:a14="http://schemas.microsoft.com/office/drawing/2010/main">
+        <mc:Choice Requires="a14">
           <p:sp>
             <p:nvSpPr>
               <p:cNvPr id="5" name="TextBox 4">
@@ -16515,6 +17515,7 @@
               </a:bodyPr>
               <a:lstStyle/>
               <a:p>
+                <a:pPr/>
                 <a14:m>
                   <m:oMathPara xmlns:m="http://schemas.openxmlformats.org/officeDocument/2006/math">
                     <m:oMathParaPr>
@@ -16655,7 +17656,7 @@
             </p:txBody>
           </p:sp>
         </mc:Choice>
-        <mc:Fallback>
+        <mc:Fallback xmlns="">
           <p:sp>
             <p:nvSpPr>
               <p:cNvPr id="5" name="TextBox 4">
@@ -16713,7 +17714,7 @@
 </p:sld>
 </file>
 
-<file path=ppt/slides/slide43.xml><?xml version="1.0" encoding="utf-8"?>
+<file path=ppt/slides/slide44.xml><?xml version="1.0" encoding="utf-8"?>
 <p:sld xmlns:a="http://schemas.openxmlformats.org/drawingml/2006/main" xmlns:r="http://schemas.openxmlformats.org/officeDocument/2006/relationships" xmlns:p="http://schemas.openxmlformats.org/presentationml/2006/main">
   <p:cSld>
     <p:spTree>

--- a/stat.pptx
+++ b/stat.pptx
@@ -5,7 +5,7 @@
     <p:sldMasterId id="2147483660" r:id="rId1"/>
   </p:sldMasterIdLst>
   <p:notesMasterIdLst>
-    <p:notesMasterId r:id="rId46"/>
+    <p:notesMasterId r:id="rId47"/>
   </p:notesMasterIdLst>
   <p:sldIdLst>
     <p:sldId id="260" r:id="rId2"/>
@@ -51,7 +51,8 @@
     <p:sldId id="595" r:id="rId42"/>
     <p:sldId id="592" r:id="rId43"/>
     <p:sldId id="593" r:id="rId44"/>
-    <p:sldId id="594" r:id="rId45"/>
+    <p:sldId id="597" r:id="rId45"/>
+    <p:sldId id="594" r:id="rId46"/>
   </p:sldIdLst>
   <p:sldSz cx="9144000" cy="6858000" type="screen4x3"/>
   <p:notesSz cx="6858000" cy="9144000"/>
@@ -251,7 +252,7 @@
           <a:p>
             <a:fld id="{D0C80036-D26A-B341-B034-B9FD2002476C}" type="datetimeFigureOut">
               <a:rPr lang="ru-RU" smtClean="0"/>
-              <a:t>28.09.2023</a:t>
+              <a:t>05.10.2023</a:t>
             </a:fld>
             <a:endParaRPr lang="ru-RU"/>
           </a:p>
@@ -1897,7 +1898,7 @@
           <a:p>
             <a:fld id="{346252AE-C3AD-F64D-9D8B-E93D532416B6}" type="datetimeFigureOut">
               <a:rPr lang="ru-RU" smtClean="0"/>
-              <a:t>28.09.2023</a:t>
+              <a:t>05.10.2023</a:t>
             </a:fld>
             <a:endParaRPr lang="ru-RU"/>
           </a:p>
@@ -2067,7 +2068,7 @@
           <a:p>
             <a:fld id="{346252AE-C3AD-F64D-9D8B-E93D532416B6}" type="datetimeFigureOut">
               <a:rPr lang="ru-RU" smtClean="0"/>
-              <a:t>28.09.2023</a:t>
+              <a:t>05.10.2023</a:t>
             </a:fld>
             <a:endParaRPr lang="ru-RU"/>
           </a:p>
@@ -2247,7 +2248,7 @@
           <a:p>
             <a:fld id="{346252AE-C3AD-F64D-9D8B-E93D532416B6}" type="datetimeFigureOut">
               <a:rPr lang="ru-RU" smtClean="0"/>
-              <a:t>28.09.2023</a:t>
+              <a:t>05.10.2023</a:t>
             </a:fld>
             <a:endParaRPr lang="ru-RU"/>
           </a:p>
@@ -2767,7 +2768,7 @@
           <a:p>
             <a:fld id="{346252AE-C3AD-F64D-9D8B-E93D532416B6}" type="datetimeFigureOut">
               <a:rPr lang="ru-RU" smtClean="0"/>
-              <a:t>28.09.2023</a:t>
+              <a:t>05.10.2023</a:t>
             </a:fld>
             <a:endParaRPr lang="ru-RU"/>
           </a:p>
@@ -3011,7 +3012,7 @@
           <a:p>
             <a:fld id="{346252AE-C3AD-F64D-9D8B-E93D532416B6}" type="datetimeFigureOut">
               <a:rPr lang="ru-RU" smtClean="0"/>
-              <a:t>28.09.2023</a:t>
+              <a:t>05.10.2023</a:t>
             </a:fld>
             <a:endParaRPr lang="ru-RU"/>
           </a:p>
@@ -3243,7 +3244,7 @@
           <a:p>
             <a:fld id="{346252AE-C3AD-F64D-9D8B-E93D532416B6}" type="datetimeFigureOut">
               <a:rPr lang="ru-RU" smtClean="0"/>
-              <a:t>28.09.2023</a:t>
+              <a:t>05.10.2023</a:t>
             </a:fld>
             <a:endParaRPr lang="ru-RU"/>
           </a:p>
@@ -3610,7 +3611,7 @@
           <a:p>
             <a:fld id="{346252AE-C3AD-F64D-9D8B-E93D532416B6}" type="datetimeFigureOut">
               <a:rPr lang="ru-RU" smtClean="0"/>
-              <a:t>28.09.2023</a:t>
+              <a:t>05.10.2023</a:t>
             </a:fld>
             <a:endParaRPr lang="ru-RU"/>
           </a:p>
@@ -3728,7 +3729,7 @@
           <a:p>
             <a:fld id="{346252AE-C3AD-F64D-9D8B-E93D532416B6}" type="datetimeFigureOut">
               <a:rPr lang="ru-RU" smtClean="0"/>
-              <a:t>28.09.2023</a:t>
+              <a:t>05.10.2023</a:t>
             </a:fld>
             <a:endParaRPr lang="ru-RU"/>
           </a:p>
@@ -3823,7 +3824,7 @@
           <a:p>
             <a:fld id="{346252AE-C3AD-F64D-9D8B-E93D532416B6}" type="datetimeFigureOut">
               <a:rPr lang="ru-RU" smtClean="0"/>
-              <a:t>28.09.2023</a:t>
+              <a:t>05.10.2023</a:t>
             </a:fld>
             <a:endParaRPr lang="ru-RU"/>
           </a:p>
@@ -4100,7 +4101,7 @@
           <a:p>
             <a:fld id="{346252AE-C3AD-F64D-9D8B-E93D532416B6}" type="datetimeFigureOut">
               <a:rPr lang="ru-RU" smtClean="0"/>
-              <a:t>28.09.2023</a:t>
+              <a:t>05.10.2023</a:t>
             </a:fld>
             <a:endParaRPr lang="ru-RU"/>
           </a:p>
@@ -4357,7 +4358,7 @@
           <a:p>
             <a:fld id="{346252AE-C3AD-F64D-9D8B-E93D532416B6}" type="datetimeFigureOut">
               <a:rPr lang="ru-RU" smtClean="0"/>
-              <a:t>28.09.2023</a:t>
+              <a:t>05.10.2023</a:t>
             </a:fld>
             <a:endParaRPr lang="ru-RU"/>
           </a:p>
@@ -4570,7 +4571,7 @@
           <a:p>
             <a:fld id="{346252AE-C3AD-F64D-9D8B-E93D532416B6}" type="datetimeFigureOut">
               <a:rPr lang="ru-RU" smtClean="0"/>
-              <a:t>28.09.2023</a:t>
+              <a:t>05.10.2023</a:t>
             </a:fld>
             <a:endParaRPr lang="ru-RU"/>
           </a:p>
@@ -14053,8 +14054,8 @@
           </p:sp>
         </mc:Fallback>
       </mc:AlternateContent>
-      <mc:AlternateContent xmlns:mc="http://schemas.openxmlformats.org/markup-compatibility/2006">
-        <mc:Choice xmlns:a14="http://schemas.microsoft.com/office/drawing/2010/main" Requires="a14">
+      <mc:AlternateContent xmlns:mc="http://schemas.openxmlformats.org/markup-compatibility/2006" xmlns:a14="http://schemas.microsoft.com/office/drawing/2010/main">
+        <mc:Choice Requires="a14">
           <p:sp>
             <p:nvSpPr>
               <p:cNvPr id="3" name="TextBox 2">
@@ -14839,7 +14840,7 @@
             </p:txBody>
           </p:sp>
         </mc:Choice>
-        <mc:Fallback>
+        <mc:Fallback xmlns="">
           <p:sp>
             <p:nvSpPr>
               <p:cNvPr id="3" name="TextBox 2">
@@ -14914,8 +14915,8 @@
           <a:chExt cx="0" cy="0"/>
         </a:xfrm>
       </p:grpSpPr>
-      <mc:AlternateContent xmlns:mc="http://schemas.openxmlformats.org/markup-compatibility/2006">
-        <mc:Choice xmlns:a14="http://schemas.microsoft.com/office/drawing/2010/main" Requires="a14">
+      <mc:AlternateContent xmlns:mc="http://schemas.openxmlformats.org/markup-compatibility/2006" xmlns:a14="http://schemas.microsoft.com/office/drawing/2010/main">
+        <mc:Choice Requires="a14">
           <p:sp>
             <p:nvSpPr>
               <p:cNvPr id="2" name="Заголовок 1">
@@ -14979,7 +14980,7 @@
             </p:txBody>
           </p:sp>
         </mc:Choice>
-        <mc:Fallback>
+        <mc:Fallback xmlns="">
           <p:sp>
             <p:nvSpPr>
               <p:cNvPr id="2" name="Заголовок 1">
@@ -17043,8 +17044,8 @@
           </a:p>
         </p:txBody>
       </p:sp>
-      <mc:AlternateContent xmlns:mc="http://schemas.openxmlformats.org/markup-compatibility/2006" xmlns:a14="http://schemas.microsoft.com/office/drawing/2010/main">
-        <mc:Choice Requires="a14">
+      <mc:AlternateContent xmlns:mc="http://schemas.openxmlformats.org/markup-compatibility/2006">
+        <mc:Choice xmlns:a14="http://schemas.microsoft.com/office/drawing/2010/main" Requires="a14">
           <p:sp>
             <p:nvSpPr>
               <p:cNvPr id="3" name="Текст 2">
@@ -17063,7 +17064,7 @@
             </p:nvSpPr>
             <p:spPr>
               <a:xfrm>
-                <a:off x="457200" y="2498652"/>
+                <a:off x="405959" y="2076283"/>
                 <a:ext cx="8229600" cy="4069148"/>
               </a:xfrm>
             </p:spPr>
@@ -17207,7 +17208,16 @@
                   </a:rPr>
                   <a:t>стремится к пределу</a:t>
                 </a:r>
-                <a:endParaRPr lang="ru-RU" dirty="0"/>
+                <a:endParaRPr lang="en-US" sz="1800" dirty="0">
+                  <a:effectLst/>
+                  <a:latin typeface="CenturyGothic"/>
+                </a:endParaRPr>
+              </a:p>
+              <a:p>
+                <a:pPr marL="38100" indent="0">
+                  <a:buNone/>
+                </a:pPr>
+                <a:endParaRPr lang="en-US" dirty="0"/>
               </a:p>
               <a:p>
                 <a:pPr marL="38100" indent="0">
@@ -17216,7 +17226,7 @@
                 <a14:m>
                   <m:oMathPara xmlns:m="http://schemas.openxmlformats.org/officeDocument/2006/math">
                     <m:oMathParaPr>
-                      <m:jc m:val="centerGroup"/>
+                      <m:jc m:val="left"/>
                     </m:oMathParaPr>
                     <m:oMath xmlns:m="http://schemas.openxmlformats.org/officeDocument/2006/math">
                       <m:r>
@@ -17411,7 +17421,7 @@
             </p:txBody>
           </p:sp>
         </mc:Choice>
-        <mc:Fallback xmlns="">
+        <mc:Fallback>
           <p:sp>
             <p:nvSpPr>
               <p:cNvPr id="3" name="Текст 2">
@@ -17430,13 +17440,13 @@
             </p:nvSpPr>
             <p:spPr>
               <a:xfrm>
-                <a:off x="457200" y="2498652"/>
+                <a:off x="405959" y="2076283"/>
                 <a:ext cx="8229600" cy="4069148"/>
               </a:xfrm>
               <a:blipFill>
                 <a:blip r:embed="rId2"/>
                 <a:stretch>
-                  <a:fillRect l="-1235" t="-2181" b="-8411"/>
+                  <a:fillRect l="-1233" t="-2181" b="-19315"/>
                 </a:stretch>
               </a:blipFill>
             </p:spPr>
@@ -17455,38 +17465,8 @@
           </p:sp>
         </mc:Fallback>
       </mc:AlternateContent>
-      <p:pic>
-        <p:nvPicPr>
-          <p:cNvPr id="8" name="Рисунок 7">
-            <a:extLst>
-              <a:ext uri="{FF2B5EF4-FFF2-40B4-BE49-F238E27FC236}">
-                <a16:creationId xmlns:a16="http://schemas.microsoft.com/office/drawing/2014/main" id="{A09DDB50-F4D3-974E-9D3C-64D4EE7F8DAA}"/>
-              </a:ext>
-            </a:extLst>
-          </p:cNvPr>
-          <p:cNvPicPr>
-            <a:picLocks noChangeAspect="1"/>
-          </p:cNvPicPr>
-          <p:nvPr/>
-        </p:nvPicPr>
-        <p:blipFill>
-          <a:blip r:embed="rId3"/>
-          <a:stretch>
-            <a:fillRect/>
-          </a:stretch>
-        </p:blipFill>
-        <p:spPr>
-          <a:xfrm>
-            <a:off x="647257" y="4908222"/>
-            <a:ext cx="3086100" cy="1752600"/>
-          </a:xfrm>
-          <a:prstGeom prst="rect">
-            <a:avLst/>
-          </a:prstGeom>
-        </p:spPr>
-      </p:pic>
-      <mc:AlternateContent xmlns:mc="http://schemas.openxmlformats.org/markup-compatibility/2006" xmlns:a14="http://schemas.microsoft.com/office/drawing/2010/main">
-        <mc:Choice Requires="a14">
+      <mc:AlternateContent xmlns:mc="http://schemas.openxmlformats.org/markup-compatibility/2006">
+        <mc:Choice xmlns:a14="http://schemas.microsoft.com/office/drawing/2010/main" Requires="a14">
           <p:sp>
             <p:nvSpPr>
               <p:cNvPr id="5" name="TextBox 4">
@@ -17501,7 +17481,7 @@
             </p:nvSpPr>
             <p:spPr>
               <a:xfrm>
-                <a:off x="1424763" y="1877659"/>
+                <a:off x="1424762" y="1645396"/>
                 <a:ext cx="5156790" cy="430887"/>
               </a:xfrm>
               <a:prstGeom prst="rect">
@@ -17656,7 +17636,7 @@
             </p:txBody>
           </p:sp>
         </mc:Choice>
-        <mc:Fallback xmlns="">
+        <mc:Fallback>
           <p:sp>
             <p:nvSpPr>
               <p:cNvPr id="5" name="TextBox 4">
@@ -17673,16 +17653,16 @@
             </p:nvSpPr>
             <p:spPr>
               <a:xfrm>
-                <a:off x="1424763" y="1877659"/>
+                <a:off x="1424762" y="1645396"/>
                 <a:ext cx="5156790" cy="430887"/>
               </a:xfrm>
               <a:prstGeom prst="rect">
                 <a:avLst/>
               </a:prstGeom>
               <a:blipFill>
-                <a:blip r:embed="rId4"/>
+                <a:blip r:embed="rId3"/>
                 <a:stretch>
-                  <a:fillRect t="-20000" b="-40000"/>
+                  <a:fillRect t="-22857" b="-40000"/>
                 </a:stretch>
               </a:blipFill>
             </p:spPr>
@@ -17701,6 +17681,36 @@
           </p:sp>
         </mc:Fallback>
       </mc:AlternateContent>
+      <p:pic>
+        <p:nvPicPr>
+          <p:cNvPr id="4" name="Рисунок 3">
+            <a:extLst>
+              <a:ext uri="{FF2B5EF4-FFF2-40B4-BE49-F238E27FC236}">
+                <a16:creationId xmlns:a16="http://schemas.microsoft.com/office/drawing/2014/main" id="{79BC2B32-301B-1443-B3BF-10A416E89E4F}"/>
+              </a:ext>
+            </a:extLst>
+          </p:cNvPr>
+          <p:cNvPicPr>
+            <a:picLocks noChangeAspect="1"/>
+          </p:cNvPicPr>
+          <p:nvPr/>
+        </p:nvPicPr>
+        <p:blipFill>
+          <a:blip r:embed="rId4"/>
+          <a:stretch>
+            <a:fillRect/>
+          </a:stretch>
+        </p:blipFill>
+        <p:spPr>
+          <a:xfrm>
+            <a:off x="4718938" y="3599734"/>
+            <a:ext cx="4206091" cy="3204143"/>
+          </a:xfrm>
+          <a:prstGeom prst="rect">
+            <a:avLst/>
+          </a:prstGeom>
+        </p:spPr>
+      </p:pic>
     </p:spTree>
     <p:extLst>
       <p:ext uri="{BB962C8B-B14F-4D97-AF65-F5344CB8AC3E}">
@@ -17715,6 +17725,117 @@
 </file>
 
 <file path=ppt/slides/slide44.xml><?xml version="1.0" encoding="utf-8"?>
+<p:sld xmlns:a="http://schemas.openxmlformats.org/drawingml/2006/main" xmlns:r="http://schemas.openxmlformats.org/officeDocument/2006/relationships" xmlns:p="http://schemas.openxmlformats.org/presentationml/2006/main">
+  <p:cSld>
+    <p:spTree>
+      <p:nvGrpSpPr>
+        <p:cNvPr id="1" name=""/>
+        <p:cNvGrpSpPr/>
+        <p:nvPr/>
+      </p:nvGrpSpPr>
+      <p:grpSpPr>
+        <a:xfrm>
+          <a:off x="0" y="0"/>
+          <a:ext cx="0" cy="0"/>
+          <a:chOff x="0" y="0"/>
+          <a:chExt cx="0" cy="0"/>
+        </a:xfrm>
+      </p:grpSpPr>
+      <p:sp>
+        <p:nvSpPr>
+          <p:cNvPr id="2" name="Заголовок 1">
+            <a:extLst>
+              <a:ext uri="{FF2B5EF4-FFF2-40B4-BE49-F238E27FC236}">
+                <a16:creationId xmlns:a16="http://schemas.microsoft.com/office/drawing/2014/main" id="{01075F99-FD99-7B4D-9A44-913BE9DC5908}"/>
+              </a:ext>
+            </a:extLst>
+          </p:cNvPr>
+          <p:cNvSpPr>
+            <a:spLocks noGrp="1"/>
+          </p:cNvSpPr>
+          <p:nvPr>
+            <p:ph type="title"/>
+          </p:nvPr>
+        </p:nvSpPr>
+        <p:spPr>
+          <a:xfrm>
+            <a:off x="106326" y="274637"/>
+            <a:ext cx="9037674" cy="1143200"/>
+          </a:xfrm>
+        </p:spPr>
+        <p:txBody>
+          <a:bodyPr/>
+          <a:lstStyle/>
+          <a:p>
+            <a:r>
+              <a:rPr lang="ru-RU" dirty="0"/>
+              <a:t>Как посчитать критерий</a:t>
+            </a:r>
+            <a:r>
+              <a:rPr lang="en-US" dirty="0"/>
+              <a:t> </a:t>
+            </a:r>
+            <a:r>
+              <a:rPr lang="ru-RU" dirty="0"/>
+              <a:t>Колмогорова</a:t>
+            </a:r>
+          </a:p>
+        </p:txBody>
+      </p:sp>
+      <p:sp>
+        <p:nvSpPr>
+          <p:cNvPr id="3" name="Текст 2">
+            <a:extLst>
+              <a:ext uri="{FF2B5EF4-FFF2-40B4-BE49-F238E27FC236}">
+                <a16:creationId xmlns:a16="http://schemas.microsoft.com/office/drawing/2014/main" id="{EA34BA88-181C-8C46-BC6A-2CC98DA796A9}"/>
+              </a:ext>
+            </a:extLst>
+          </p:cNvPr>
+          <p:cNvSpPr>
+            <a:spLocks noGrp="1"/>
+          </p:cNvSpPr>
+          <p:nvPr>
+            <p:ph type="body" idx="1"/>
+          </p:nvPr>
+        </p:nvSpPr>
+        <p:spPr/>
+        <p:txBody>
+          <a:bodyPr/>
+          <a:lstStyle/>
+          <a:p>
+            <a:pPr marL="38100" indent="0">
+              <a:buNone/>
+            </a:pPr>
+            <a:r>
+              <a:rPr lang="en" dirty="0">
+                <a:hlinkClick r:id="rId2"/>
+              </a:rPr>
+              <a:t>https://colab.research.google.com/drive/1g9aS5RpoBYB-xcwreZ0TCns0RBBL-mdv</a:t>
+            </a:r>
+            <a:endParaRPr lang="ru-RU" dirty="0"/>
+          </a:p>
+          <a:p>
+            <a:pPr marL="38100" indent="0">
+              <a:buNone/>
+            </a:pPr>
+            <a:endParaRPr lang="ru-RU" dirty="0"/>
+          </a:p>
+        </p:txBody>
+      </p:sp>
+    </p:spTree>
+    <p:extLst>
+      <p:ext uri="{BB962C8B-B14F-4D97-AF65-F5344CB8AC3E}">
+        <p14:creationId xmlns:p14="http://schemas.microsoft.com/office/powerpoint/2010/main" val="2575858063"/>
+      </p:ext>
+    </p:extLst>
+  </p:cSld>
+  <p:clrMapOvr>
+    <a:masterClrMapping/>
+  </p:clrMapOvr>
+</p:sld>
+</file>
+
+<file path=ppt/slides/slide45.xml><?xml version="1.0" encoding="utf-8"?>
 <p:sld xmlns:a="http://schemas.openxmlformats.org/drawingml/2006/main" xmlns:r="http://schemas.openxmlformats.org/officeDocument/2006/relationships" xmlns:p="http://schemas.openxmlformats.org/presentationml/2006/main">
   <p:cSld>
     <p:spTree>
